--- a/Deliverable2/CityServices-Early_Insights.pptx
+++ b/Deliverable2/CityServices-Early_Insights.pptx
@@ -5,30 +5,30 @@
     <p:sldMasterId id="2147483648" r:id="rId1"/>
   </p:sldMasterIdLst>
   <p:notesMasterIdLst>
-    <p:notesMasterId r:id="rId11"/>
+    <p:notesMasterId r:id="rId4"/>
   </p:notesMasterIdLst>
   <p:sldIdLst>
-    <p:sldId id="256" r:id="rId2"/>
-    <p:sldId id="257" r:id="rId3"/>
-    <p:sldId id="258" r:id="rId4"/>
-    <p:sldId id="259" r:id="rId5"/>
-    <p:sldId id="260" r:id="rId6"/>
-    <p:sldId id="261" r:id="rId7"/>
-    <p:sldId id="262" r:id="rId8"/>
-    <p:sldId id="263" r:id="rId9"/>
-    <p:sldId id="264" r:id="rId10"/>
+    <p:sldId id="256" r:id="rId3"/>
+    <p:sldId id="257" r:id="rId5"/>
+    <p:sldId id="258" r:id="rId6"/>
+    <p:sldId id="259" r:id="rId7"/>
+    <p:sldId id="260" r:id="rId8"/>
+    <p:sldId id="261" r:id="rId9"/>
+    <p:sldId id="262" r:id="rId10"/>
+    <p:sldId id="263" r:id="rId11"/>
+    <p:sldId id="264" r:id="rId12"/>
   </p:sldIdLst>
   <p:sldSz cx="12192000" cy="6858000"/>
   <p:notesSz cx="6858000" cy="9144000"/>
   <p:embeddedFontLst>
     <p:embeddedFont>
-      <p:font typeface="Century Gothic" panose="020B0502020202020204" pitchFamily="34" charset="0"/>
-      <p:regular r:id="rId12"/>
-      <p:bold r:id="rId13"/>
-      <p:italic r:id="rId14"/>
-      <p:boldItalic r:id="rId15"/>
+      <p:font typeface="Century Gothic" panose="020B0502020202020204"/>
+      <p:regular r:id="rId16"/>
     </p:embeddedFont>
   </p:embeddedFontLst>
+  <p:custDataLst>
+    <p:tags r:id="rId17"/>
+  </p:custDataLst>
   <p:defaultTextStyle>
     <a:defPPr marR="0" lvl="0" algn="l" rtl="0">
       <a:lnSpc>
@@ -54,15 +54,15 @@
       <a:buClr>
         <a:srgbClr val="000000"/>
       </a:buClr>
-      <a:buFont typeface="Arial"/>
+      <a:buFont typeface="Arial" panose="020B0604020202020204"/>
       <a:defRPr sz="1400" b="0" i="0" u="none" strike="noStrike" cap="none">
         <a:solidFill>
           <a:srgbClr val="000000"/>
         </a:solidFill>
-        <a:latin typeface="Arial"/>
-        <a:ea typeface="Arial"/>
-        <a:cs typeface="Arial"/>
-        <a:sym typeface="Arial"/>
+        <a:latin typeface="Arial" panose="020B0604020202020204"/>
+        <a:ea typeface="Arial" panose="020B0604020202020204"/>
+        <a:cs typeface="Arial" panose="020B0604020202020204"/>
+        <a:sym typeface="Arial" panose="020B0604020202020204"/>
       </a:defRPr>
     </a:lvl1pPr>
     <a:lvl2pPr marR="0" lvl="1" algn="l" rtl="0">
@@ -78,15 +78,15 @@
       <a:buClr>
         <a:srgbClr val="000000"/>
       </a:buClr>
-      <a:buFont typeface="Arial"/>
+      <a:buFont typeface="Arial" panose="020B0604020202020204"/>
       <a:defRPr sz="1400" b="0" i="0" u="none" strike="noStrike" cap="none">
         <a:solidFill>
           <a:srgbClr val="000000"/>
         </a:solidFill>
-        <a:latin typeface="Arial"/>
-        <a:ea typeface="Arial"/>
-        <a:cs typeface="Arial"/>
-        <a:sym typeface="Arial"/>
+        <a:latin typeface="Arial" panose="020B0604020202020204"/>
+        <a:ea typeface="Arial" panose="020B0604020202020204"/>
+        <a:cs typeface="Arial" panose="020B0604020202020204"/>
+        <a:sym typeface="Arial" panose="020B0604020202020204"/>
       </a:defRPr>
     </a:lvl2pPr>
     <a:lvl3pPr marR="0" lvl="2" algn="l" rtl="0">
@@ -102,15 +102,15 @@
       <a:buClr>
         <a:srgbClr val="000000"/>
       </a:buClr>
-      <a:buFont typeface="Arial"/>
+      <a:buFont typeface="Arial" panose="020B0604020202020204"/>
       <a:defRPr sz="1400" b="0" i="0" u="none" strike="noStrike" cap="none">
         <a:solidFill>
           <a:srgbClr val="000000"/>
         </a:solidFill>
-        <a:latin typeface="Arial"/>
-        <a:ea typeface="Arial"/>
-        <a:cs typeface="Arial"/>
-        <a:sym typeface="Arial"/>
+        <a:latin typeface="Arial" panose="020B0604020202020204"/>
+        <a:ea typeface="Arial" panose="020B0604020202020204"/>
+        <a:cs typeface="Arial" panose="020B0604020202020204"/>
+        <a:sym typeface="Arial" panose="020B0604020202020204"/>
       </a:defRPr>
     </a:lvl3pPr>
     <a:lvl4pPr marR="0" lvl="3" algn="l" rtl="0">
@@ -126,15 +126,15 @@
       <a:buClr>
         <a:srgbClr val="000000"/>
       </a:buClr>
-      <a:buFont typeface="Arial"/>
+      <a:buFont typeface="Arial" panose="020B0604020202020204"/>
       <a:defRPr sz="1400" b="0" i="0" u="none" strike="noStrike" cap="none">
         <a:solidFill>
           <a:srgbClr val="000000"/>
         </a:solidFill>
-        <a:latin typeface="Arial"/>
-        <a:ea typeface="Arial"/>
-        <a:cs typeface="Arial"/>
-        <a:sym typeface="Arial"/>
+        <a:latin typeface="Arial" panose="020B0604020202020204"/>
+        <a:ea typeface="Arial" panose="020B0604020202020204"/>
+        <a:cs typeface="Arial" panose="020B0604020202020204"/>
+        <a:sym typeface="Arial" panose="020B0604020202020204"/>
       </a:defRPr>
     </a:lvl4pPr>
     <a:lvl5pPr marR="0" lvl="4" algn="l" rtl="0">
@@ -150,15 +150,15 @@
       <a:buClr>
         <a:srgbClr val="000000"/>
       </a:buClr>
-      <a:buFont typeface="Arial"/>
+      <a:buFont typeface="Arial" panose="020B0604020202020204"/>
       <a:defRPr sz="1400" b="0" i="0" u="none" strike="noStrike" cap="none">
         <a:solidFill>
           <a:srgbClr val="000000"/>
         </a:solidFill>
-        <a:latin typeface="Arial"/>
-        <a:ea typeface="Arial"/>
-        <a:cs typeface="Arial"/>
-        <a:sym typeface="Arial"/>
+        <a:latin typeface="Arial" panose="020B0604020202020204"/>
+        <a:ea typeface="Arial" panose="020B0604020202020204"/>
+        <a:cs typeface="Arial" panose="020B0604020202020204"/>
+        <a:sym typeface="Arial" panose="020B0604020202020204"/>
       </a:defRPr>
     </a:lvl5pPr>
     <a:lvl6pPr marR="0" lvl="5" algn="l" rtl="0">
@@ -174,15 +174,15 @@
       <a:buClr>
         <a:srgbClr val="000000"/>
       </a:buClr>
-      <a:buFont typeface="Arial"/>
+      <a:buFont typeface="Arial" panose="020B0604020202020204"/>
       <a:defRPr sz="1400" b="0" i="0" u="none" strike="noStrike" cap="none">
         <a:solidFill>
           <a:srgbClr val="000000"/>
         </a:solidFill>
-        <a:latin typeface="Arial"/>
-        <a:ea typeface="Arial"/>
-        <a:cs typeface="Arial"/>
-        <a:sym typeface="Arial"/>
+        <a:latin typeface="Arial" panose="020B0604020202020204"/>
+        <a:ea typeface="Arial" panose="020B0604020202020204"/>
+        <a:cs typeface="Arial" panose="020B0604020202020204"/>
+        <a:sym typeface="Arial" panose="020B0604020202020204"/>
       </a:defRPr>
     </a:lvl6pPr>
     <a:lvl7pPr marR="0" lvl="6" algn="l" rtl="0">
@@ -198,15 +198,15 @@
       <a:buClr>
         <a:srgbClr val="000000"/>
       </a:buClr>
-      <a:buFont typeface="Arial"/>
+      <a:buFont typeface="Arial" panose="020B0604020202020204"/>
       <a:defRPr sz="1400" b="0" i="0" u="none" strike="noStrike" cap="none">
         <a:solidFill>
           <a:srgbClr val="000000"/>
         </a:solidFill>
-        <a:latin typeface="Arial"/>
-        <a:ea typeface="Arial"/>
-        <a:cs typeface="Arial"/>
-        <a:sym typeface="Arial"/>
+        <a:latin typeface="Arial" panose="020B0604020202020204"/>
+        <a:ea typeface="Arial" panose="020B0604020202020204"/>
+        <a:cs typeface="Arial" panose="020B0604020202020204"/>
+        <a:sym typeface="Arial" panose="020B0604020202020204"/>
       </a:defRPr>
     </a:lvl7pPr>
     <a:lvl8pPr marR="0" lvl="7" algn="l" rtl="0">
@@ -222,15 +222,15 @@
       <a:buClr>
         <a:srgbClr val="000000"/>
       </a:buClr>
-      <a:buFont typeface="Arial"/>
+      <a:buFont typeface="Arial" panose="020B0604020202020204"/>
       <a:defRPr sz="1400" b="0" i="0" u="none" strike="noStrike" cap="none">
         <a:solidFill>
           <a:srgbClr val="000000"/>
         </a:solidFill>
-        <a:latin typeface="Arial"/>
-        <a:ea typeface="Arial"/>
-        <a:cs typeface="Arial"/>
-        <a:sym typeface="Arial"/>
+        <a:latin typeface="Arial" panose="020B0604020202020204"/>
+        <a:ea typeface="Arial" panose="020B0604020202020204"/>
+        <a:cs typeface="Arial" panose="020B0604020202020204"/>
+        <a:sym typeface="Arial" panose="020B0604020202020204"/>
       </a:defRPr>
     </a:lvl8pPr>
     <a:lvl9pPr marR="0" lvl="8" algn="l" rtl="0">
@@ -246,23 +246,18 @@
       <a:buClr>
         <a:srgbClr val="000000"/>
       </a:buClr>
-      <a:buFont typeface="Arial"/>
+      <a:buFont typeface="Arial" panose="020B0604020202020204"/>
       <a:defRPr sz="1400" b="0" i="0" u="none" strike="noStrike" cap="none">
         <a:solidFill>
           <a:srgbClr val="000000"/>
         </a:solidFill>
-        <a:latin typeface="Arial"/>
-        <a:ea typeface="Arial"/>
-        <a:cs typeface="Arial"/>
-        <a:sym typeface="Arial"/>
+        <a:latin typeface="Arial" panose="020B0604020202020204"/>
+        <a:ea typeface="Arial" panose="020B0604020202020204"/>
+        <a:cs typeface="Arial" panose="020B0604020202020204"/>
+        <a:sym typeface="Arial" panose="020B0604020202020204"/>
       </a:defRPr>
     </a:lvl9pPr>
   </p:defaultTextStyle>
-  <p:extLst>
-    <p:ext uri="http://customooxmlschemas.google.com/">
-      <go:slidesCustomData xmlns:go="http://customooxmlschemas.google.com/" xmlns:ahyp="http://schemas.microsoft.com/office/drawing/2018/hyperlinkcolor" xmlns:p15="http://schemas.microsoft.com/office/powerpoint/2012/main" xmlns:p14="http://schemas.microsoft.com/office/powerpoint/2010/main" xmlns:com="http://schemas.openxmlformats.org/drawingml/2006/compatibility" xmlns:pvml="urn:schemas-microsoft-com:office:powerpoint" xmlns:v="urn:schemas-microsoft-com:vml" xmlns:o="urn:schemas-microsoft-com:office:office" xmlns:dgm="http://schemas.openxmlformats.org/drawingml/2006/diagram" xmlns:c="http://schemas.openxmlformats.org/drawingml/2006/chart" xmlns:mv="urn:schemas-microsoft-com:mac:vml" xmlns:mc="http://schemas.openxmlformats.org/markup-compatibility/2006" xmlns="" r:id="rId18" roundtripDataSignature="AMtx7miNQK2bGcnI1vRfUTnj4g5uThX5DQ=="/>
-    </p:ext>
-  </p:extLst>
 </p:presentation>
 </file>
 
@@ -467,9 +462,7 @@
               <a:defRPr sz="1100"/>
             </a:lvl9pPr>
           </a:lstStyle>
-          <a:p>
-            <a:endParaRPr/>
-          </a:p>
+          <a:p/>
         </p:txBody>
       </p:sp>
     </p:spTree>
@@ -500,15 +493,15 @@
       <a:buClr>
         <a:srgbClr val="000000"/>
       </a:buClr>
-      <a:buFont typeface="Arial"/>
+      <a:buFont typeface="Arial" panose="020B0604020202020204"/>
       <a:defRPr sz="1400" b="0" i="0" u="none" strike="noStrike" cap="none">
         <a:solidFill>
           <a:srgbClr val="000000"/>
         </a:solidFill>
-        <a:latin typeface="Arial"/>
-        <a:ea typeface="Arial"/>
-        <a:cs typeface="Arial"/>
-        <a:sym typeface="Arial"/>
+        <a:latin typeface="Arial" panose="020B0604020202020204"/>
+        <a:ea typeface="Arial" panose="020B0604020202020204"/>
+        <a:cs typeface="Arial" panose="020B0604020202020204"/>
+        <a:sym typeface="Arial" panose="020B0604020202020204"/>
       </a:defRPr>
     </a:lvl1pPr>
     <a:lvl2pPr marR="0" lvl="1" algn="l" rtl="0">
@@ -524,15 +517,15 @@
       <a:buClr>
         <a:srgbClr val="000000"/>
       </a:buClr>
-      <a:buFont typeface="Arial"/>
+      <a:buFont typeface="Arial" panose="020B0604020202020204"/>
       <a:defRPr sz="1400" b="0" i="0" u="none" strike="noStrike" cap="none">
         <a:solidFill>
           <a:srgbClr val="000000"/>
         </a:solidFill>
-        <a:latin typeface="Arial"/>
-        <a:ea typeface="Arial"/>
-        <a:cs typeface="Arial"/>
-        <a:sym typeface="Arial"/>
+        <a:latin typeface="Arial" panose="020B0604020202020204"/>
+        <a:ea typeface="Arial" panose="020B0604020202020204"/>
+        <a:cs typeface="Arial" panose="020B0604020202020204"/>
+        <a:sym typeface="Arial" panose="020B0604020202020204"/>
       </a:defRPr>
     </a:lvl2pPr>
     <a:lvl3pPr marR="0" lvl="2" algn="l" rtl="0">
@@ -548,15 +541,15 @@
       <a:buClr>
         <a:srgbClr val="000000"/>
       </a:buClr>
-      <a:buFont typeface="Arial"/>
+      <a:buFont typeface="Arial" panose="020B0604020202020204"/>
       <a:defRPr sz="1400" b="0" i="0" u="none" strike="noStrike" cap="none">
         <a:solidFill>
           <a:srgbClr val="000000"/>
         </a:solidFill>
-        <a:latin typeface="Arial"/>
-        <a:ea typeface="Arial"/>
-        <a:cs typeface="Arial"/>
-        <a:sym typeface="Arial"/>
+        <a:latin typeface="Arial" panose="020B0604020202020204"/>
+        <a:ea typeface="Arial" panose="020B0604020202020204"/>
+        <a:cs typeface="Arial" panose="020B0604020202020204"/>
+        <a:sym typeface="Arial" panose="020B0604020202020204"/>
       </a:defRPr>
     </a:lvl3pPr>
     <a:lvl4pPr marR="0" lvl="3" algn="l" rtl="0">
@@ -572,15 +565,15 @@
       <a:buClr>
         <a:srgbClr val="000000"/>
       </a:buClr>
-      <a:buFont typeface="Arial"/>
+      <a:buFont typeface="Arial" panose="020B0604020202020204"/>
       <a:defRPr sz="1400" b="0" i="0" u="none" strike="noStrike" cap="none">
         <a:solidFill>
           <a:srgbClr val="000000"/>
         </a:solidFill>
-        <a:latin typeface="Arial"/>
-        <a:ea typeface="Arial"/>
-        <a:cs typeface="Arial"/>
-        <a:sym typeface="Arial"/>
+        <a:latin typeface="Arial" panose="020B0604020202020204"/>
+        <a:ea typeface="Arial" panose="020B0604020202020204"/>
+        <a:cs typeface="Arial" panose="020B0604020202020204"/>
+        <a:sym typeface="Arial" panose="020B0604020202020204"/>
       </a:defRPr>
     </a:lvl4pPr>
     <a:lvl5pPr marR="0" lvl="4" algn="l" rtl="0">
@@ -596,15 +589,15 @@
       <a:buClr>
         <a:srgbClr val="000000"/>
       </a:buClr>
-      <a:buFont typeface="Arial"/>
+      <a:buFont typeface="Arial" panose="020B0604020202020204"/>
       <a:defRPr sz="1400" b="0" i="0" u="none" strike="noStrike" cap="none">
         <a:solidFill>
           <a:srgbClr val="000000"/>
         </a:solidFill>
-        <a:latin typeface="Arial"/>
-        <a:ea typeface="Arial"/>
-        <a:cs typeface="Arial"/>
-        <a:sym typeface="Arial"/>
+        <a:latin typeface="Arial" panose="020B0604020202020204"/>
+        <a:ea typeface="Arial" panose="020B0604020202020204"/>
+        <a:cs typeface="Arial" panose="020B0604020202020204"/>
+        <a:sym typeface="Arial" panose="020B0604020202020204"/>
       </a:defRPr>
     </a:lvl5pPr>
     <a:lvl6pPr marR="0" lvl="5" algn="l" rtl="0">
@@ -620,15 +613,15 @@
       <a:buClr>
         <a:srgbClr val="000000"/>
       </a:buClr>
-      <a:buFont typeface="Arial"/>
+      <a:buFont typeface="Arial" panose="020B0604020202020204"/>
       <a:defRPr sz="1400" b="0" i="0" u="none" strike="noStrike" cap="none">
         <a:solidFill>
           <a:srgbClr val="000000"/>
         </a:solidFill>
-        <a:latin typeface="Arial"/>
-        <a:ea typeface="Arial"/>
-        <a:cs typeface="Arial"/>
-        <a:sym typeface="Arial"/>
+        <a:latin typeface="Arial" panose="020B0604020202020204"/>
+        <a:ea typeface="Arial" panose="020B0604020202020204"/>
+        <a:cs typeface="Arial" panose="020B0604020202020204"/>
+        <a:sym typeface="Arial" panose="020B0604020202020204"/>
       </a:defRPr>
     </a:lvl6pPr>
     <a:lvl7pPr marR="0" lvl="6" algn="l" rtl="0">
@@ -644,15 +637,15 @@
       <a:buClr>
         <a:srgbClr val="000000"/>
       </a:buClr>
-      <a:buFont typeface="Arial"/>
+      <a:buFont typeface="Arial" panose="020B0604020202020204"/>
       <a:defRPr sz="1400" b="0" i="0" u="none" strike="noStrike" cap="none">
         <a:solidFill>
           <a:srgbClr val="000000"/>
         </a:solidFill>
-        <a:latin typeface="Arial"/>
-        <a:ea typeface="Arial"/>
-        <a:cs typeface="Arial"/>
-        <a:sym typeface="Arial"/>
+        <a:latin typeface="Arial" panose="020B0604020202020204"/>
+        <a:ea typeface="Arial" panose="020B0604020202020204"/>
+        <a:cs typeface="Arial" panose="020B0604020202020204"/>
+        <a:sym typeface="Arial" panose="020B0604020202020204"/>
       </a:defRPr>
     </a:lvl7pPr>
     <a:lvl8pPr marR="0" lvl="7" algn="l" rtl="0">
@@ -668,15 +661,15 @@
       <a:buClr>
         <a:srgbClr val="000000"/>
       </a:buClr>
-      <a:buFont typeface="Arial"/>
+      <a:buFont typeface="Arial" panose="020B0604020202020204"/>
       <a:defRPr sz="1400" b="0" i="0" u="none" strike="noStrike" cap="none">
         <a:solidFill>
           <a:srgbClr val="000000"/>
         </a:solidFill>
-        <a:latin typeface="Arial"/>
-        <a:ea typeface="Arial"/>
-        <a:cs typeface="Arial"/>
-        <a:sym typeface="Arial"/>
+        <a:latin typeface="Arial" panose="020B0604020202020204"/>
+        <a:ea typeface="Arial" panose="020B0604020202020204"/>
+        <a:cs typeface="Arial" panose="020B0604020202020204"/>
+        <a:sym typeface="Arial" panose="020B0604020202020204"/>
       </a:defRPr>
     </a:lvl8pPr>
     <a:lvl9pPr marR="0" lvl="8" algn="l" rtl="0">
@@ -692,15 +685,15 @@
       <a:buClr>
         <a:srgbClr val="000000"/>
       </a:buClr>
-      <a:buFont typeface="Arial"/>
+      <a:buFont typeface="Arial" panose="020B0604020202020204"/>
       <a:defRPr sz="1400" b="0" i="0" u="none" strike="noStrike" cap="none">
         <a:solidFill>
           <a:srgbClr val="000000"/>
         </a:solidFill>
-        <a:latin typeface="Arial"/>
-        <a:ea typeface="Arial"/>
-        <a:cs typeface="Arial"/>
-        <a:sym typeface="Arial"/>
+        <a:latin typeface="Arial" panose="020B0604020202020204"/>
+        <a:ea typeface="Arial" panose="020B0604020202020204"/>
+        <a:cs typeface="Arial" panose="020B0604020202020204"/>
+        <a:sym typeface="Arial" panose="020B0604020202020204"/>
       </a:defRPr>
     </a:lvl9pPr>
   </p:notesStyle>
@@ -708,7 +701,7 @@
 </file>
 
 <file path=ppt/notesSlides/notesSlide1.xml><?xml version="1.0" encoding="utf-8"?>
-<p:notes xmlns:a="http://schemas.openxmlformats.org/drawingml/2006/main" xmlns:r="http://schemas.openxmlformats.org/officeDocument/2006/relationships" xmlns:p="http://schemas.openxmlformats.org/presentationml/2006/main" showMasterSp="0" showMasterPhAnim="0">
+<p:notes xmlns:a="http://schemas.openxmlformats.org/drawingml/2006/main" xmlns:r="http://schemas.openxmlformats.org/officeDocument/2006/relationships" xmlns:p="http://schemas.openxmlformats.org/presentationml/2006/main" showMasterPhAnim="0" showMasterSp="0">
   <p:cSld>
     <p:spTree>
       <p:nvGrpSpPr>
@@ -758,7 +751,6 @@
               </a:spcAft>
               <a:buNone/>
             </a:pPr>
-            <a:endParaRPr/>
           </a:p>
         </p:txBody>
       </p:sp>
@@ -812,7 +804,7 @@
 </file>
 
 <file path=ppt/notesSlides/notesSlide2.xml><?xml version="1.0" encoding="utf-8"?>
-<p:notes xmlns:a="http://schemas.openxmlformats.org/drawingml/2006/main" xmlns:r="http://schemas.openxmlformats.org/officeDocument/2006/relationships" xmlns:p="http://schemas.openxmlformats.org/presentationml/2006/main" showMasterSp="0" showMasterPhAnim="0">
+<p:notes xmlns:a="http://schemas.openxmlformats.org/drawingml/2006/main" xmlns:r="http://schemas.openxmlformats.org/officeDocument/2006/relationships" xmlns:p="http://schemas.openxmlformats.org/presentationml/2006/main" showMasterPhAnim="0" showMasterSp="0">
   <p:cSld>
     <p:spTree>
       <p:nvGrpSpPr>
@@ -862,7 +854,6 @@
               </a:spcAft>
               <a:buNone/>
             </a:pPr>
-            <a:endParaRPr/>
           </a:p>
         </p:txBody>
       </p:sp>
@@ -916,7 +907,7 @@
 </file>
 
 <file path=ppt/notesSlides/notesSlide3.xml><?xml version="1.0" encoding="utf-8"?>
-<p:notes xmlns:a="http://schemas.openxmlformats.org/drawingml/2006/main" xmlns:r="http://schemas.openxmlformats.org/officeDocument/2006/relationships" xmlns:p="http://schemas.openxmlformats.org/presentationml/2006/main" showMasterSp="0" showMasterPhAnim="0">
+<p:notes xmlns:a="http://schemas.openxmlformats.org/drawingml/2006/main" xmlns:r="http://schemas.openxmlformats.org/officeDocument/2006/relationships" xmlns:p="http://schemas.openxmlformats.org/presentationml/2006/main" showMasterPhAnim="0" showMasterSp="0">
   <p:cSld>
     <p:spTree>
       <p:nvGrpSpPr>
@@ -966,7 +957,6 @@
               </a:spcAft>
               <a:buNone/>
             </a:pPr>
-            <a:endParaRPr/>
           </a:p>
         </p:txBody>
       </p:sp>
@@ -1020,7 +1010,7 @@
 </file>
 
 <file path=ppt/notesSlides/notesSlide4.xml><?xml version="1.0" encoding="utf-8"?>
-<p:notes xmlns:a="http://schemas.openxmlformats.org/drawingml/2006/main" xmlns:r="http://schemas.openxmlformats.org/officeDocument/2006/relationships" xmlns:p="http://schemas.openxmlformats.org/presentationml/2006/main" showMasterSp="0" showMasterPhAnim="0">
+<p:notes xmlns:a="http://schemas.openxmlformats.org/drawingml/2006/main" xmlns:r="http://schemas.openxmlformats.org/officeDocument/2006/relationships" xmlns:p="http://schemas.openxmlformats.org/presentationml/2006/main" showMasterPhAnim="0" showMasterSp="0">
   <p:cSld>
     <p:spTree>
       <p:nvGrpSpPr>
@@ -1070,7 +1060,6 @@
               </a:spcAft>
               <a:buNone/>
             </a:pPr>
-            <a:endParaRPr/>
           </a:p>
         </p:txBody>
       </p:sp>
@@ -1124,7 +1113,7 @@
 </file>
 
 <file path=ppt/notesSlides/notesSlide5.xml><?xml version="1.0" encoding="utf-8"?>
-<p:notes xmlns:a="http://schemas.openxmlformats.org/drawingml/2006/main" xmlns:r="http://schemas.openxmlformats.org/officeDocument/2006/relationships" xmlns:p="http://schemas.openxmlformats.org/presentationml/2006/main" showMasterSp="0" showMasterPhAnim="0">
+<p:notes xmlns:a="http://schemas.openxmlformats.org/drawingml/2006/main" xmlns:r="http://schemas.openxmlformats.org/officeDocument/2006/relationships" xmlns:p="http://schemas.openxmlformats.org/presentationml/2006/main" showMasterPhAnim="0" showMasterSp="0">
   <p:cSld>
     <p:spTree>
       <p:nvGrpSpPr>
@@ -1215,7 +1204,6 @@
               </a:spcAft>
               <a:buNone/>
             </a:pPr>
-            <a:endParaRPr/>
           </a:p>
         </p:txBody>
       </p:sp>
@@ -1228,7 +1216,7 @@
 </file>
 
 <file path=ppt/notesSlides/notesSlide6.xml><?xml version="1.0" encoding="utf-8"?>
-<p:notes xmlns:a="http://schemas.openxmlformats.org/drawingml/2006/main" xmlns:r="http://schemas.openxmlformats.org/officeDocument/2006/relationships" xmlns:p="http://schemas.openxmlformats.org/presentationml/2006/main" showMasterSp="0" showMasterPhAnim="0">
+<p:notes xmlns:a="http://schemas.openxmlformats.org/drawingml/2006/main" xmlns:r="http://schemas.openxmlformats.org/officeDocument/2006/relationships" xmlns:p="http://schemas.openxmlformats.org/presentationml/2006/main" showMasterPhAnim="0" showMasterSp="0">
   <p:cSld>
     <p:spTree>
       <p:nvGrpSpPr>
@@ -1319,7 +1307,6 @@
               </a:spcAft>
               <a:buNone/>
             </a:pPr>
-            <a:endParaRPr/>
           </a:p>
         </p:txBody>
       </p:sp>
@@ -1332,7 +1319,7 @@
 </file>
 
 <file path=ppt/notesSlides/notesSlide7.xml><?xml version="1.0" encoding="utf-8"?>
-<p:notes xmlns:a="http://schemas.openxmlformats.org/drawingml/2006/main" xmlns:r="http://schemas.openxmlformats.org/officeDocument/2006/relationships" xmlns:p="http://schemas.openxmlformats.org/presentationml/2006/main" showMasterSp="0" showMasterPhAnim="0">
+<p:notes xmlns:a="http://schemas.openxmlformats.org/drawingml/2006/main" xmlns:r="http://schemas.openxmlformats.org/officeDocument/2006/relationships" xmlns:p="http://schemas.openxmlformats.org/presentationml/2006/main" showMasterPhAnim="0" showMasterSp="0">
   <p:cSld>
     <p:spTree>
       <p:nvGrpSpPr>
@@ -1423,7 +1410,6 @@
               </a:spcAft>
               <a:buNone/>
             </a:pPr>
-            <a:endParaRPr/>
           </a:p>
         </p:txBody>
       </p:sp>
@@ -1436,7 +1422,7 @@
 </file>
 
 <file path=ppt/notesSlides/notesSlide8.xml><?xml version="1.0" encoding="utf-8"?>
-<p:notes xmlns:a="http://schemas.openxmlformats.org/drawingml/2006/main" xmlns:r="http://schemas.openxmlformats.org/officeDocument/2006/relationships" xmlns:p="http://schemas.openxmlformats.org/presentationml/2006/main" showMasterSp="0" showMasterPhAnim="0">
+<p:notes xmlns:a="http://schemas.openxmlformats.org/drawingml/2006/main" xmlns:r="http://schemas.openxmlformats.org/officeDocument/2006/relationships" xmlns:p="http://schemas.openxmlformats.org/presentationml/2006/main" showMasterPhAnim="0" showMasterSp="0">
   <p:cSld>
     <p:spTree>
       <p:nvGrpSpPr>
@@ -1527,7 +1513,6 @@
               </a:spcAft>
               <a:buNone/>
             </a:pPr>
-            <a:endParaRPr/>
           </a:p>
         </p:txBody>
       </p:sp>
@@ -1540,7 +1525,7 @@
 </file>
 
 <file path=ppt/notesSlides/notesSlide9.xml><?xml version="1.0" encoding="utf-8"?>
-<p:notes xmlns:a="http://schemas.openxmlformats.org/drawingml/2006/main" xmlns:r="http://schemas.openxmlformats.org/officeDocument/2006/relationships" xmlns:p="http://schemas.openxmlformats.org/presentationml/2006/main" showMasterSp="0" showMasterPhAnim="0">
+<p:notes xmlns:a="http://schemas.openxmlformats.org/drawingml/2006/main" xmlns:r="http://schemas.openxmlformats.org/officeDocument/2006/relationships" xmlns:p="http://schemas.openxmlformats.org/presentationml/2006/main" showMasterPhAnim="0" showMasterSp="0">
   <p:cSld>
     <p:spTree>
       <p:nvGrpSpPr>
@@ -1590,7 +1575,6 @@
               </a:spcAft>
               <a:buNone/>
             </a:pPr>
-            <a:endParaRPr/>
           </a:p>
         </p:txBody>
       </p:sp>
@@ -1644,7 +1628,7 @@
 </file>
 
 <file path=ppt/slideLayouts/slideLayout1.xml><?xml version="1.0" encoding="utf-8"?>
-<p:sldLayout xmlns:a="http://schemas.openxmlformats.org/drawingml/2006/main" xmlns:r="http://schemas.openxmlformats.org/officeDocument/2006/relationships" xmlns:p="http://schemas.openxmlformats.org/presentationml/2006/main" showMasterSp="0" matchingName="Title Slide" type="title">
+<p:sldLayout xmlns:a="http://schemas.openxmlformats.org/drawingml/2006/main" xmlns:r="http://schemas.openxmlformats.org/officeDocument/2006/relationships" xmlns:p="http://schemas.openxmlformats.org/presentationml/2006/main" type="title" showMasterSp="0" matchingName="Title Slide">
   <p:cSld name="TITLE">
     <p:spTree>
       <p:nvGrpSpPr>
@@ -1699,7 +1683,7 @@
                 <a:schemeClr val="lt1"/>
               </a:buClr>
               <a:buSzPts val="4800"/>
-              <a:buFont typeface="Century Gothic"/>
+              <a:buFont typeface="Century Gothic" panose="020B0502020202020204"/>
               <a:buNone/>
               <a:defRPr sz="4800"/>
             </a:lvl1pPr>
@@ -1792,9 +1776,7 @@
               <a:defRPr/>
             </a:lvl9pPr>
           </a:lstStyle>
-          <a:p>
-            <a:endParaRPr/>
-          </a:p>
+          <a:p/>
         </p:txBody>
       </p:sp>
       <p:sp>
@@ -1961,9 +1943,7 @@
               </a:defRPr>
             </a:lvl9pPr>
           </a:lstStyle>
-          <a:p>
-            <a:endParaRPr/>
-          </a:p>
+          <a:p/>
         </p:txBody>
       </p:sp>
       <p:sp>
@@ -2094,9 +2074,7 @@
               <a:defRPr/>
             </a:lvl9pPr>
           </a:lstStyle>
-          <a:p>
-            <a:endParaRPr/>
-          </a:p>
+          <a:p/>
         </p:txBody>
       </p:sp>
       <p:sp>
@@ -2227,9 +2205,7 @@
               <a:defRPr/>
             </a:lvl9pPr>
           </a:lstStyle>
-          <a:p>
-            <a:endParaRPr/>
-          </a:p>
+          <a:p/>
         </p:txBody>
       </p:sp>
       <p:sp>
@@ -2336,9 +2312,8 @@
             </a:pPr>
             <a:fld id="{00000000-1234-1234-1234-123412341234}" type="slidenum">
               <a:rPr lang="en-US"/>
-              <a:t>‹#›</a:t>
             </a:fld>
-            <a:endParaRPr/>
+            <a:endParaRPr lang="en-US"/>
           </a:p>
         </p:txBody>
       </p:sp>
@@ -2474,13 +2449,7 @@
       </p:cxnSp>
       <p:pic>
         <p:nvPicPr>
-          <p:cNvPr id="2" name="Picture 2" descr="Boston University Logo, symbol, meaning, history, PNG">
-            <a:extLst>
-              <a:ext uri="{FF2B5EF4-FFF2-40B4-BE49-F238E27FC236}">
-                <a16:creationId xmlns:a16="http://schemas.microsoft.com/office/drawing/2014/main" id="{3FB136B0-4F30-E2C5-767A-968FE7322E26}"/>
-              </a:ext>
-            </a:extLst>
-          </p:cNvPr>
+          <p:cNvPr id="2" name="Picture 2" descr="Boston University Logo, symbol, meaning, history, PNG"/>
           <p:cNvPicPr>
             <a:picLocks noChangeAspect="1" noChangeArrowheads="1"/>
           </p:cNvPicPr>
@@ -2675,9 +2644,7 @@
               <a:defRPr/>
             </a:lvl9pPr>
           </a:lstStyle>
-          <a:p>
-            <a:endParaRPr/>
-          </a:p>
+          <a:p/>
         </p:txBody>
       </p:sp>
       <p:sp>
@@ -2751,7 +2718,7 @@
                 <a:spcPts val="0"/>
               </a:spcAft>
               <a:buSzPts val="1280"/>
-              <a:buFont typeface="Century Gothic"/>
+              <a:buFont typeface="Century Gothic" panose="020B0502020202020204"/>
               <a:buNone/>
               <a:defRPr sz="1600"/>
             </a:lvl1pPr>
@@ -2763,7 +2730,7 @@
                 <a:spcPts val="0"/>
               </a:spcAft>
               <a:buSzPts val="1440"/>
-              <a:buFont typeface="Century Gothic"/>
+              <a:buFont typeface="Century Gothic" panose="020B0502020202020204"/>
               <a:buNone/>
               <a:defRPr/>
             </a:lvl2pPr>
@@ -2775,7 +2742,7 @@
                 <a:spcPts val="0"/>
               </a:spcAft>
               <a:buSzPts val="1280"/>
-              <a:buFont typeface="Century Gothic"/>
+              <a:buFont typeface="Century Gothic" panose="020B0502020202020204"/>
               <a:buNone/>
               <a:defRPr/>
             </a:lvl3pPr>
@@ -2787,7 +2754,7 @@
                 <a:spcPts val="0"/>
               </a:spcAft>
               <a:buSzPts val="1120"/>
-              <a:buFont typeface="Century Gothic"/>
+              <a:buFont typeface="Century Gothic" panose="020B0502020202020204"/>
               <a:buNone/>
               <a:defRPr/>
             </a:lvl4pPr>
@@ -2799,11 +2766,11 @@
                 <a:spcPts val="0"/>
               </a:spcAft>
               <a:buSzPts val="1120"/>
-              <a:buFont typeface="Century Gothic"/>
+              <a:buFont typeface="Century Gothic" panose="020B0502020202020204"/>
               <a:buNone/>
               <a:defRPr/>
             </a:lvl5pPr>
-            <a:lvl6pPr marL="2743200" lvl="5" indent="-320039" algn="l">
+            <a:lvl6pPr marL="2743200" lvl="5" indent="-320040" algn="l">
               <a:spcBef>
                 <a:spcPts val="600"/>
               </a:spcBef>
@@ -2814,7 +2781,7 @@
               <a:buChar char="▶"/>
               <a:defRPr/>
             </a:lvl6pPr>
-            <a:lvl7pPr marL="3200400" lvl="6" indent="-320039" algn="l">
+            <a:lvl7pPr marL="3200400" lvl="6" indent="-320040" algn="l">
               <a:spcBef>
                 <a:spcPts val="600"/>
               </a:spcBef>
@@ -2848,9 +2815,7 @@
               <a:defRPr/>
             </a:lvl9pPr>
           </a:lstStyle>
-          <a:p>
-            <a:endParaRPr/>
-          </a:p>
+          <a:p/>
         </p:txBody>
       </p:sp>
       <p:sp>
@@ -2981,9 +2946,7 @@
               <a:defRPr/>
             </a:lvl9pPr>
           </a:lstStyle>
-          <a:p>
-            <a:endParaRPr/>
-          </a:p>
+          <a:p/>
         </p:txBody>
       </p:sp>
       <p:sp>
@@ -3114,9 +3077,7 @@
               <a:defRPr/>
             </a:lvl9pPr>
           </a:lstStyle>
-          <a:p>
-            <a:endParaRPr/>
-          </a:p>
+          <a:p/>
         </p:txBody>
       </p:sp>
       <p:sp>
@@ -3223,9 +3184,8 @@
             </a:pPr>
             <a:fld id="{00000000-1234-1234-1234-123412341234}" type="slidenum">
               <a:rPr lang="en-US"/>
-              <a:t>‹#›</a:t>
             </a:fld>
-            <a:endParaRPr/>
+            <a:endParaRPr lang="en-US"/>
           </a:p>
         </p:txBody>
       </p:sp>
@@ -3293,7 +3253,7 @@
                 <a:schemeClr val="lt1"/>
               </a:buClr>
               <a:buSzPts val="3200"/>
-              <a:buFont typeface="Century Gothic"/>
+              <a:buFont typeface="Century Gothic" panose="020B0502020202020204"/>
               <a:buNone/>
               <a:defRPr sz="3200" b="0" cap="none"/>
             </a:lvl1pPr>
@@ -3386,9 +3346,7 @@
               <a:defRPr/>
             </a:lvl9pPr>
           </a:lstStyle>
-          <a:p>
-            <a:endParaRPr/>
-          </a:p>
+          <a:p/>
         </p:txBody>
       </p:sp>
       <p:sp>
@@ -3555,9 +3513,7 @@
               </a:defRPr>
             </a:lvl9pPr>
           </a:lstStyle>
-          <a:p>
-            <a:endParaRPr/>
-          </a:p>
+          <a:p/>
         </p:txBody>
       </p:sp>
       <p:sp>
@@ -3688,9 +3644,7 @@
               <a:defRPr/>
             </a:lvl9pPr>
           </a:lstStyle>
-          <a:p>
-            <a:endParaRPr/>
-          </a:p>
+          <a:p/>
         </p:txBody>
       </p:sp>
       <p:sp>
@@ -3821,9 +3775,7 @@
               <a:defRPr/>
             </a:lvl9pPr>
           </a:lstStyle>
-          <a:p>
-            <a:endParaRPr/>
-          </a:p>
+          <a:p/>
         </p:txBody>
       </p:sp>
       <p:sp>
@@ -3930,9 +3882,8 @@
             </a:pPr>
             <a:fld id="{00000000-1234-1234-1234-123412341234}" type="slidenum">
               <a:rPr lang="en-US"/>
-              <a:t>‹#›</a:t>
             </a:fld>
-            <a:endParaRPr/>
+            <a:endParaRPr lang="en-US"/>
           </a:p>
         </p:txBody>
       </p:sp>
@@ -4000,7 +3951,7 @@
                 <a:schemeClr val="lt1"/>
               </a:buClr>
               <a:buSzPts val="3200"/>
-              <a:buFont typeface="Century Gothic"/>
+              <a:buFont typeface="Century Gothic" panose="020B0502020202020204"/>
               <a:buNone/>
               <a:defRPr sz="3200" b="0" cap="none">
                 <a:solidFill>
@@ -4097,9 +4048,7 @@
               <a:defRPr/>
             </a:lvl9pPr>
           </a:lstStyle>
-          <a:p>
-            <a:endParaRPr/>
-          </a:p>
+          <a:p/>
         </p:txBody>
       </p:sp>
       <p:sp>
@@ -4138,7 +4087,7 @@
                 <a:spcPts val="0"/>
               </a:spcAft>
               <a:buSzPts val="1600"/>
-              <a:buFont typeface="Century Gothic"/>
+              <a:buFont typeface="Century Gothic" panose="020B0502020202020204"/>
               <a:buNone/>
               <a:defRPr/>
             </a:lvl1pPr>
@@ -4150,7 +4099,7 @@
                 <a:spcPts val="0"/>
               </a:spcAft>
               <a:buSzPts val="1440"/>
-              <a:buFont typeface="Century Gothic"/>
+              <a:buFont typeface="Century Gothic" panose="020B0502020202020204"/>
               <a:buNone/>
               <a:defRPr/>
             </a:lvl2pPr>
@@ -4162,7 +4111,7 @@
                 <a:spcPts val="0"/>
               </a:spcAft>
               <a:buSzPts val="1280"/>
-              <a:buFont typeface="Century Gothic"/>
+              <a:buFont typeface="Century Gothic" panose="020B0502020202020204"/>
               <a:buNone/>
               <a:defRPr/>
             </a:lvl3pPr>
@@ -4174,7 +4123,7 @@
                 <a:spcPts val="0"/>
               </a:spcAft>
               <a:buSzPts val="1120"/>
-              <a:buFont typeface="Century Gothic"/>
+              <a:buFont typeface="Century Gothic" panose="020B0502020202020204"/>
               <a:buNone/>
               <a:defRPr/>
             </a:lvl4pPr>
@@ -4186,11 +4135,11 @@
                 <a:spcPts val="0"/>
               </a:spcAft>
               <a:buSzPts val="1120"/>
-              <a:buFont typeface="Century Gothic"/>
+              <a:buFont typeface="Century Gothic" panose="020B0502020202020204"/>
               <a:buNone/>
               <a:defRPr/>
             </a:lvl5pPr>
-            <a:lvl6pPr marL="2743200" lvl="5" indent="-320039" algn="l">
+            <a:lvl6pPr marL="2743200" lvl="5" indent="-320040" algn="l">
               <a:spcBef>
                 <a:spcPts val="600"/>
               </a:spcBef>
@@ -4201,7 +4150,7 @@
               <a:buChar char="▶"/>
               <a:defRPr/>
             </a:lvl6pPr>
-            <a:lvl7pPr marL="3200400" lvl="6" indent="-320039" algn="l">
+            <a:lvl7pPr marL="3200400" lvl="6" indent="-320040" algn="l">
               <a:spcBef>
                 <a:spcPts val="600"/>
               </a:spcBef>
@@ -4235,9 +4184,7 @@
               <a:defRPr/>
             </a:lvl9pPr>
           </a:lstStyle>
-          <a:p>
-            <a:endParaRPr/>
-          </a:p>
+          <a:p/>
         </p:txBody>
       </p:sp>
       <p:sp>
@@ -4404,9 +4351,7 @@
               </a:defRPr>
             </a:lvl9pPr>
           </a:lstStyle>
-          <a:p>
-            <a:endParaRPr/>
-          </a:p>
+          <a:p/>
         </p:txBody>
       </p:sp>
       <p:sp>
@@ -4537,9 +4482,7 @@
               <a:defRPr/>
             </a:lvl9pPr>
           </a:lstStyle>
-          <a:p>
-            <a:endParaRPr/>
-          </a:p>
+          <a:p/>
         </p:txBody>
       </p:sp>
       <p:sp>
@@ -4670,9 +4613,7 @@
               <a:defRPr/>
             </a:lvl9pPr>
           </a:lstStyle>
-          <a:p>
-            <a:endParaRPr/>
-          </a:p>
+          <a:p/>
         </p:txBody>
       </p:sp>
       <p:sp>
@@ -4779,9 +4720,8 @@
             </a:pPr>
             <a:fld id="{00000000-1234-1234-1234-123412341234}" type="slidenum">
               <a:rPr lang="en-US"/>
-              <a:t>‹#›</a:t>
             </a:fld>
-            <a:endParaRPr/>
+            <a:endParaRPr lang="en-US"/>
           </a:p>
         </p:txBody>
       </p:sp>
@@ -4824,14 +4764,22 @@
                 <a:solidFill>
                   <a:schemeClr val="lt1"/>
                 </a:solidFill>
-                <a:latin typeface="Century Gothic"/>
-                <a:ea typeface="Century Gothic"/>
-                <a:cs typeface="Century Gothic"/>
-                <a:sym typeface="Century Gothic"/>
+                <a:latin typeface="Century Gothic" panose="020B0502020202020204"/>
+                <a:ea typeface="Century Gothic" panose="020B0502020202020204"/>
+                <a:cs typeface="Century Gothic" panose="020B0502020202020204"/>
+                <a:sym typeface="Century Gothic" panose="020B0502020202020204"/>
               </a:rPr>
               <a:t>“</a:t>
             </a:r>
-            <a:endParaRPr/>
+            <a:endParaRPr lang="en-US" sz="8000">
+              <a:solidFill>
+                <a:schemeClr val="lt1"/>
+              </a:solidFill>
+              <a:latin typeface="Century Gothic" panose="020B0502020202020204"/>
+              <a:ea typeface="Century Gothic" panose="020B0502020202020204"/>
+              <a:cs typeface="Century Gothic" panose="020B0502020202020204"/>
+              <a:sym typeface="Century Gothic" panose="020B0502020202020204"/>
+            </a:endParaRPr>
           </a:p>
         </p:txBody>
       </p:sp>
@@ -4874,14 +4822,22 @@
                 <a:solidFill>
                   <a:schemeClr val="lt1"/>
                 </a:solidFill>
-                <a:latin typeface="Century Gothic"/>
-                <a:ea typeface="Century Gothic"/>
-                <a:cs typeface="Century Gothic"/>
-                <a:sym typeface="Century Gothic"/>
+                <a:latin typeface="Century Gothic" panose="020B0502020202020204"/>
+                <a:ea typeface="Century Gothic" panose="020B0502020202020204"/>
+                <a:cs typeface="Century Gothic" panose="020B0502020202020204"/>
+                <a:sym typeface="Century Gothic" panose="020B0502020202020204"/>
               </a:rPr>
               <a:t>”</a:t>
             </a:r>
-            <a:endParaRPr/>
+            <a:endParaRPr lang="en-US" sz="8000">
+              <a:solidFill>
+                <a:schemeClr val="lt1"/>
+              </a:solidFill>
+              <a:latin typeface="Century Gothic" panose="020B0502020202020204"/>
+              <a:ea typeface="Century Gothic" panose="020B0502020202020204"/>
+              <a:cs typeface="Century Gothic" panose="020B0502020202020204"/>
+              <a:sym typeface="Century Gothic" panose="020B0502020202020204"/>
+            </a:endParaRPr>
           </a:p>
         </p:txBody>
       </p:sp>
@@ -4949,7 +4905,7 @@
                 <a:schemeClr val="lt1"/>
               </a:buClr>
               <a:buSzPts val="3200"/>
-              <a:buFont typeface="Century Gothic"/>
+              <a:buFont typeface="Century Gothic" panose="020B0502020202020204"/>
               <a:buNone/>
               <a:defRPr sz="3200" b="0" cap="none"/>
             </a:lvl1pPr>
@@ -5042,9 +4998,7 @@
               <a:defRPr/>
             </a:lvl9pPr>
           </a:lstStyle>
-          <a:p>
-            <a:endParaRPr/>
-          </a:p>
+          <a:p/>
         </p:txBody>
       </p:sp>
       <p:sp>
@@ -5211,9 +5165,7 @@
               </a:defRPr>
             </a:lvl9pPr>
           </a:lstStyle>
-          <a:p>
-            <a:endParaRPr/>
-          </a:p>
+          <a:p/>
         </p:txBody>
       </p:sp>
       <p:sp>
@@ -5344,9 +5296,7 @@
               <a:defRPr/>
             </a:lvl9pPr>
           </a:lstStyle>
-          <a:p>
-            <a:endParaRPr/>
-          </a:p>
+          <a:p/>
         </p:txBody>
       </p:sp>
       <p:sp>
@@ -5477,9 +5427,7 @@
               <a:defRPr/>
             </a:lvl9pPr>
           </a:lstStyle>
-          <a:p>
-            <a:endParaRPr/>
-          </a:p>
+          <a:p/>
         </p:txBody>
       </p:sp>
       <p:sp>
@@ -5586,9 +5534,8 @@
             </a:pPr>
             <a:fld id="{00000000-1234-1234-1234-123412341234}" type="slidenum">
               <a:rPr lang="en-US"/>
-              <a:t>‹#›</a:t>
             </a:fld>
-            <a:endParaRPr/>
+            <a:endParaRPr lang="en-US"/>
           </a:p>
         </p:txBody>
       </p:sp>
@@ -5656,7 +5603,7 @@
                 <a:schemeClr val="lt1"/>
               </a:buClr>
               <a:buSzPts val="3200"/>
-              <a:buFont typeface="Century Gothic"/>
+              <a:buFont typeface="Century Gothic" panose="020B0502020202020204"/>
               <a:buNone/>
               <a:defRPr sz="3200" b="0" cap="none">
                 <a:solidFill>
@@ -5753,9 +5700,7 @@
               <a:defRPr/>
             </a:lvl9pPr>
           </a:lstStyle>
-          <a:p>
-            <a:endParaRPr/>
-          </a:p>
+          <a:p/>
         </p:txBody>
       </p:sp>
       <p:sp>
@@ -5812,7 +5757,7 @@
               <a:buChar char="▶"/>
               <a:defRPr/>
             </a:lvl2pPr>
-            <a:lvl3pPr marL="1371600" lvl="2" indent="-320039" algn="l">
+            <a:lvl3pPr marL="1371600" lvl="2" indent="-320040" algn="l">
               <a:spcBef>
                 <a:spcPts val="600"/>
               </a:spcBef>
@@ -5823,7 +5768,7 @@
               <a:buChar char="▶"/>
               <a:defRPr/>
             </a:lvl3pPr>
-            <a:lvl4pPr marL="1828800" lvl="3" indent="-320039" algn="l">
+            <a:lvl4pPr marL="1828800" lvl="3" indent="-320040" algn="l">
               <a:spcBef>
                 <a:spcPts val="600"/>
               </a:spcBef>
@@ -5834,7 +5779,7 @@
               <a:buChar char="▶"/>
               <a:defRPr/>
             </a:lvl4pPr>
-            <a:lvl5pPr marL="2286000" lvl="4" indent="-320039" algn="l">
+            <a:lvl5pPr marL="2286000" lvl="4" indent="-320040" algn="l">
               <a:spcBef>
                 <a:spcPts val="600"/>
               </a:spcBef>
@@ -5845,7 +5790,7 @@
               <a:buChar char="▶"/>
               <a:defRPr/>
             </a:lvl5pPr>
-            <a:lvl6pPr marL="2743200" lvl="5" indent="-320039" algn="l">
+            <a:lvl6pPr marL="2743200" lvl="5" indent="-320040" algn="l">
               <a:spcBef>
                 <a:spcPts val="600"/>
               </a:spcBef>
@@ -5856,7 +5801,7 @@
               <a:buChar char="▶"/>
               <a:defRPr/>
             </a:lvl6pPr>
-            <a:lvl7pPr marL="3200400" lvl="6" indent="-320039" algn="l">
+            <a:lvl7pPr marL="3200400" lvl="6" indent="-320040" algn="l">
               <a:spcBef>
                 <a:spcPts val="600"/>
               </a:spcBef>
@@ -5890,9 +5835,7 @@
               <a:defRPr/>
             </a:lvl9pPr>
           </a:lstStyle>
-          <a:p>
-            <a:endParaRPr/>
-          </a:p>
+          <a:p/>
         </p:txBody>
       </p:sp>
       <p:sp>
@@ -6059,9 +6002,7 @@
               </a:defRPr>
             </a:lvl9pPr>
           </a:lstStyle>
-          <a:p>
-            <a:endParaRPr/>
-          </a:p>
+          <a:p/>
         </p:txBody>
       </p:sp>
       <p:sp>
@@ -6192,9 +6133,7 @@
               <a:defRPr/>
             </a:lvl9pPr>
           </a:lstStyle>
-          <a:p>
-            <a:endParaRPr/>
-          </a:p>
+          <a:p/>
         </p:txBody>
       </p:sp>
       <p:sp>
@@ -6325,9 +6264,7 @@
               <a:defRPr/>
             </a:lvl9pPr>
           </a:lstStyle>
-          <a:p>
-            <a:endParaRPr/>
-          </a:p>
+          <a:p/>
         </p:txBody>
       </p:sp>
       <p:sp>
@@ -6434,9 +6371,8 @@
             </a:pPr>
             <a:fld id="{00000000-1234-1234-1234-123412341234}" type="slidenum">
               <a:rPr lang="en-US"/>
-              <a:t>‹#›</a:t>
             </a:fld>
-            <a:endParaRPr/>
+            <a:endParaRPr lang="en-US"/>
           </a:p>
         </p:txBody>
       </p:sp>
@@ -6479,14 +6415,22 @@
                 <a:solidFill>
                   <a:schemeClr val="lt1"/>
                 </a:solidFill>
-                <a:latin typeface="Century Gothic"/>
-                <a:ea typeface="Century Gothic"/>
-                <a:cs typeface="Century Gothic"/>
-                <a:sym typeface="Century Gothic"/>
+                <a:latin typeface="Century Gothic" panose="020B0502020202020204"/>
+                <a:ea typeface="Century Gothic" panose="020B0502020202020204"/>
+                <a:cs typeface="Century Gothic" panose="020B0502020202020204"/>
+                <a:sym typeface="Century Gothic" panose="020B0502020202020204"/>
               </a:rPr>
               <a:t>“</a:t>
             </a:r>
-            <a:endParaRPr/>
+            <a:endParaRPr lang="en-US" sz="8000">
+              <a:solidFill>
+                <a:schemeClr val="lt1"/>
+              </a:solidFill>
+              <a:latin typeface="Century Gothic" panose="020B0502020202020204"/>
+              <a:ea typeface="Century Gothic" panose="020B0502020202020204"/>
+              <a:cs typeface="Century Gothic" panose="020B0502020202020204"/>
+              <a:sym typeface="Century Gothic" panose="020B0502020202020204"/>
+            </a:endParaRPr>
           </a:p>
         </p:txBody>
       </p:sp>
@@ -6529,14 +6473,22 @@
                 <a:solidFill>
                   <a:schemeClr val="lt1"/>
                 </a:solidFill>
-                <a:latin typeface="Century Gothic"/>
-                <a:ea typeface="Century Gothic"/>
-                <a:cs typeface="Century Gothic"/>
-                <a:sym typeface="Century Gothic"/>
+                <a:latin typeface="Century Gothic" panose="020B0502020202020204"/>
+                <a:ea typeface="Century Gothic" panose="020B0502020202020204"/>
+                <a:cs typeface="Century Gothic" panose="020B0502020202020204"/>
+                <a:sym typeface="Century Gothic" panose="020B0502020202020204"/>
               </a:rPr>
               <a:t>”</a:t>
             </a:r>
-            <a:endParaRPr/>
+            <a:endParaRPr lang="en-US" sz="8000">
+              <a:solidFill>
+                <a:schemeClr val="lt1"/>
+              </a:solidFill>
+              <a:latin typeface="Century Gothic" panose="020B0502020202020204"/>
+              <a:ea typeface="Century Gothic" panose="020B0502020202020204"/>
+              <a:cs typeface="Century Gothic" panose="020B0502020202020204"/>
+              <a:sym typeface="Century Gothic" panose="020B0502020202020204"/>
+            </a:endParaRPr>
           </a:p>
         </p:txBody>
       </p:sp>
@@ -6604,7 +6556,7 @@
                 <a:schemeClr val="lt1"/>
               </a:buClr>
               <a:buSzPts val="3600"/>
-              <a:buFont typeface="Century Gothic"/>
+              <a:buFont typeface="Century Gothic" panose="020B0502020202020204"/>
               <a:buNone/>
               <a:defRPr b="0"/>
             </a:lvl1pPr>
@@ -6697,9 +6649,7 @@
               <a:defRPr/>
             </a:lvl9pPr>
           </a:lstStyle>
-          <a:p>
-            <a:endParaRPr/>
-          </a:p>
+          <a:p/>
         </p:txBody>
       </p:sp>
       <p:sp>
@@ -6756,7 +6706,7 @@
               <a:buChar char="▶"/>
               <a:defRPr/>
             </a:lvl2pPr>
-            <a:lvl3pPr marL="1371600" lvl="2" indent="-320039" algn="l">
+            <a:lvl3pPr marL="1371600" lvl="2" indent="-320040" algn="l">
               <a:spcBef>
                 <a:spcPts val="600"/>
               </a:spcBef>
@@ -6767,7 +6717,7 @@
               <a:buChar char="▶"/>
               <a:defRPr/>
             </a:lvl3pPr>
-            <a:lvl4pPr marL="1828800" lvl="3" indent="-320039" algn="l">
+            <a:lvl4pPr marL="1828800" lvl="3" indent="-320040" algn="l">
               <a:spcBef>
                 <a:spcPts val="600"/>
               </a:spcBef>
@@ -6778,7 +6728,7 @@
               <a:buChar char="▶"/>
               <a:defRPr/>
             </a:lvl4pPr>
-            <a:lvl5pPr marL="2286000" lvl="4" indent="-320039" algn="l">
+            <a:lvl5pPr marL="2286000" lvl="4" indent="-320040" algn="l">
               <a:spcBef>
                 <a:spcPts val="600"/>
               </a:spcBef>
@@ -6789,7 +6739,7 @@
               <a:buChar char="▶"/>
               <a:defRPr/>
             </a:lvl5pPr>
-            <a:lvl6pPr marL="2743200" lvl="5" indent="-320039" algn="l">
+            <a:lvl6pPr marL="2743200" lvl="5" indent="-320040" algn="l">
               <a:spcBef>
                 <a:spcPts val="600"/>
               </a:spcBef>
@@ -6800,7 +6750,7 @@
               <a:buChar char="▶"/>
               <a:defRPr/>
             </a:lvl6pPr>
-            <a:lvl7pPr marL="3200400" lvl="6" indent="-320039" algn="l">
+            <a:lvl7pPr marL="3200400" lvl="6" indent="-320040" algn="l">
               <a:spcBef>
                 <a:spcPts val="600"/>
               </a:spcBef>
@@ -6834,9 +6784,7 @@
               <a:defRPr/>
             </a:lvl9pPr>
           </a:lstStyle>
-          <a:p>
-            <a:endParaRPr/>
-          </a:p>
+          <a:p/>
         </p:txBody>
       </p:sp>
       <p:sp>
@@ -7003,9 +6951,7 @@
               </a:defRPr>
             </a:lvl9pPr>
           </a:lstStyle>
-          <a:p>
-            <a:endParaRPr/>
-          </a:p>
+          <a:p/>
         </p:txBody>
       </p:sp>
       <p:sp>
@@ -7136,9 +7082,7 @@
               <a:defRPr/>
             </a:lvl9pPr>
           </a:lstStyle>
-          <a:p>
-            <a:endParaRPr/>
-          </a:p>
+          <a:p/>
         </p:txBody>
       </p:sp>
       <p:sp>
@@ -7269,9 +7213,7 @@
               <a:defRPr/>
             </a:lvl9pPr>
           </a:lstStyle>
-          <a:p>
-            <a:endParaRPr/>
-          </a:p>
+          <a:p/>
         </p:txBody>
       </p:sp>
       <p:sp>
@@ -7378,9 +7320,8 @@
             </a:pPr>
             <a:fld id="{00000000-1234-1234-1234-123412341234}" type="slidenum">
               <a:rPr lang="en-US"/>
-              <a:t>‹#›</a:t>
             </a:fld>
-            <a:endParaRPr/>
+            <a:endParaRPr lang="en-US"/>
           </a:p>
         </p:txBody>
       </p:sp>
@@ -7393,7 +7334,7 @@
 </file>
 
 <file path=ppt/slideLayouts/slideLayout16.xml><?xml version="1.0" encoding="utf-8"?>
-<p:sldLayout xmlns:a="http://schemas.openxmlformats.org/drawingml/2006/main" xmlns:r="http://schemas.openxmlformats.org/officeDocument/2006/relationships" xmlns:p="http://schemas.openxmlformats.org/presentationml/2006/main" matchingName="Title and Vertical Text" type="vertTx">
+<p:sldLayout xmlns:a="http://schemas.openxmlformats.org/drawingml/2006/main" xmlns:r="http://schemas.openxmlformats.org/officeDocument/2006/relationships" xmlns:p="http://schemas.openxmlformats.org/presentationml/2006/main" type="vertTx" matchingName="Title and Vertical Text">
   <p:cSld name="VERTICAL_TEXT">
     <p:spTree>
       <p:nvGrpSpPr>
@@ -7448,7 +7389,7 @@
                 <a:schemeClr val="lt1"/>
               </a:buClr>
               <a:buSzPts val="3600"/>
-              <a:buFont typeface="Century Gothic"/>
+              <a:buFont typeface="Century Gothic" panose="020B0502020202020204"/>
               <a:buNone/>
               <a:defRPr/>
             </a:lvl1pPr>
@@ -7541,9 +7482,7 @@
               <a:defRPr/>
             </a:lvl9pPr>
           </a:lstStyle>
-          <a:p>
-            <a:endParaRPr/>
-          </a:p>
+          <a:p/>
         </p:txBody>
       </p:sp>
       <p:sp>
@@ -7596,7 +7535,7 @@
               <a:buChar char="▶"/>
               <a:defRPr/>
             </a:lvl2pPr>
-            <a:lvl3pPr marL="1371600" lvl="2" indent="-320039" algn="l">
+            <a:lvl3pPr marL="1371600" lvl="2" indent="-320040" algn="l">
               <a:spcBef>
                 <a:spcPts val="600"/>
               </a:spcBef>
@@ -7607,7 +7546,7 @@
               <a:buChar char="▶"/>
               <a:defRPr/>
             </a:lvl3pPr>
-            <a:lvl4pPr marL="1828800" lvl="3" indent="-320039" algn="l">
+            <a:lvl4pPr marL="1828800" lvl="3" indent="-320040" algn="l">
               <a:spcBef>
                 <a:spcPts val="600"/>
               </a:spcBef>
@@ -7618,7 +7557,7 @@
               <a:buChar char="▶"/>
               <a:defRPr/>
             </a:lvl4pPr>
-            <a:lvl5pPr marL="2286000" lvl="4" indent="-320039" algn="l">
+            <a:lvl5pPr marL="2286000" lvl="4" indent="-320040" algn="l">
               <a:spcBef>
                 <a:spcPts val="600"/>
               </a:spcBef>
@@ -7629,7 +7568,7 @@
               <a:buChar char="▶"/>
               <a:defRPr/>
             </a:lvl5pPr>
-            <a:lvl6pPr marL="2743200" lvl="5" indent="-320039" algn="l">
+            <a:lvl6pPr marL="2743200" lvl="5" indent="-320040" algn="l">
               <a:spcBef>
                 <a:spcPts val="600"/>
               </a:spcBef>
@@ -7640,7 +7579,7 @@
               <a:buChar char="▶"/>
               <a:defRPr/>
             </a:lvl6pPr>
-            <a:lvl7pPr marL="3200400" lvl="6" indent="-320039" algn="l">
+            <a:lvl7pPr marL="3200400" lvl="6" indent="-320040" algn="l">
               <a:spcBef>
                 <a:spcPts val="600"/>
               </a:spcBef>
@@ -7674,9 +7613,7 @@
               <a:defRPr/>
             </a:lvl9pPr>
           </a:lstStyle>
-          <a:p>
-            <a:endParaRPr/>
-          </a:p>
+          <a:p/>
         </p:txBody>
       </p:sp>
       <p:sp>
@@ -7807,9 +7744,7 @@
               <a:defRPr/>
             </a:lvl9pPr>
           </a:lstStyle>
-          <a:p>
-            <a:endParaRPr/>
-          </a:p>
+          <a:p/>
         </p:txBody>
       </p:sp>
       <p:sp>
@@ -7940,9 +7875,7 @@
               <a:defRPr/>
             </a:lvl9pPr>
           </a:lstStyle>
-          <a:p>
-            <a:endParaRPr/>
-          </a:p>
+          <a:p/>
         </p:txBody>
       </p:sp>
       <p:sp>
@@ -8049,9 +7982,8 @@
             </a:pPr>
             <a:fld id="{00000000-1234-1234-1234-123412341234}" type="slidenum">
               <a:rPr lang="en-US"/>
-              <a:t>‹#›</a:t>
             </a:fld>
-            <a:endParaRPr/>
+            <a:endParaRPr lang="en-US"/>
           </a:p>
         </p:txBody>
       </p:sp>
@@ -8064,7 +7996,7 @@
 </file>
 
 <file path=ppt/slideLayouts/slideLayout17.xml><?xml version="1.0" encoding="utf-8"?>
-<p:sldLayout xmlns:a="http://schemas.openxmlformats.org/drawingml/2006/main" xmlns:r="http://schemas.openxmlformats.org/officeDocument/2006/relationships" xmlns:p="http://schemas.openxmlformats.org/presentationml/2006/main" matchingName="Vertical Title and Text" type="vertTitleAndTx">
+<p:sldLayout xmlns:a="http://schemas.openxmlformats.org/drawingml/2006/main" xmlns:r="http://schemas.openxmlformats.org/officeDocument/2006/relationships" xmlns:p="http://schemas.openxmlformats.org/presentationml/2006/main" type="vertTitleAndTx" matchingName="Vertical Title and Text">
   <p:cSld name="VERTICAL_TITLE_AND_VERTICAL_TEXT">
     <p:spTree>
       <p:nvGrpSpPr>
@@ -8211,9 +8143,7 @@
               <a:defRPr/>
             </a:lvl9pPr>
           </a:lstStyle>
-          <a:p>
-            <a:endParaRPr/>
-          </a:p>
+          <a:p/>
         </p:txBody>
       </p:sp>
       <p:sp>
@@ -8266,7 +8196,7 @@
               <a:buChar char="▶"/>
               <a:defRPr/>
             </a:lvl2pPr>
-            <a:lvl3pPr marL="1371600" lvl="2" indent="-320039" algn="l">
+            <a:lvl3pPr marL="1371600" lvl="2" indent="-320040" algn="l">
               <a:spcBef>
                 <a:spcPts val="600"/>
               </a:spcBef>
@@ -8277,7 +8207,7 @@
               <a:buChar char="▶"/>
               <a:defRPr/>
             </a:lvl3pPr>
-            <a:lvl4pPr marL="1828800" lvl="3" indent="-320039" algn="l">
+            <a:lvl4pPr marL="1828800" lvl="3" indent="-320040" algn="l">
               <a:spcBef>
                 <a:spcPts val="600"/>
               </a:spcBef>
@@ -8288,7 +8218,7 @@
               <a:buChar char="▶"/>
               <a:defRPr/>
             </a:lvl4pPr>
-            <a:lvl5pPr marL="2286000" lvl="4" indent="-320039" algn="l">
+            <a:lvl5pPr marL="2286000" lvl="4" indent="-320040" algn="l">
               <a:spcBef>
                 <a:spcPts val="600"/>
               </a:spcBef>
@@ -8299,7 +8229,7 @@
               <a:buChar char="▶"/>
               <a:defRPr/>
             </a:lvl5pPr>
-            <a:lvl6pPr marL="2743200" lvl="5" indent="-320039" algn="l">
+            <a:lvl6pPr marL="2743200" lvl="5" indent="-320040" algn="l">
               <a:spcBef>
                 <a:spcPts val="600"/>
               </a:spcBef>
@@ -8310,7 +8240,7 @@
               <a:buChar char="▶"/>
               <a:defRPr/>
             </a:lvl6pPr>
-            <a:lvl7pPr marL="3200400" lvl="6" indent="-320039" algn="l">
+            <a:lvl7pPr marL="3200400" lvl="6" indent="-320040" algn="l">
               <a:spcBef>
                 <a:spcPts val="600"/>
               </a:spcBef>
@@ -8344,9 +8274,7 @@
               <a:defRPr/>
             </a:lvl9pPr>
           </a:lstStyle>
-          <a:p>
-            <a:endParaRPr/>
-          </a:p>
+          <a:p/>
         </p:txBody>
       </p:sp>
       <p:sp>
@@ -8477,9 +8405,7 @@
               <a:defRPr/>
             </a:lvl9pPr>
           </a:lstStyle>
-          <a:p>
-            <a:endParaRPr/>
-          </a:p>
+          <a:p/>
         </p:txBody>
       </p:sp>
       <p:sp>
@@ -8610,9 +8536,7 @@
               <a:defRPr/>
             </a:lvl9pPr>
           </a:lstStyle>
-          <a:p>
-            <a:endParaRPr/>
-          </a:p>
+          <a:p/>
         </p:txBody>
       </p:sp>
       <p:sp>
@@ -8719,9 +8643,8 @@
             </a:pPr>
             <a:fld id="{00000000-1234-1234-1234-123412341234}" type="slidenum">
               <a:rPr lang="en-US"/>
-              <a:t>‹#›</a:t>
             </a:fld>
-            <a:endParaRPr/>
+            <a:endParaRPr lang="en-US"/>
           </a:p>
         </p:txBody>
       </p:sp>
@@ -8734,7 +8657,7 @@
 </file>
 
 <file path=ppt/slideLayouts/slideLayout2.xml><?xml version="1.0" encoding="utf-8"?>
-<p:sldLayout xmlns:a="http://schemas.openxmlformats.org/drawingml/2006/main" xmlns:r="http://schemas.openxmlformats.org/officeDocument/2006/relationships" xmlns:p="http://schemas.openxmlformats.org/presentationml/2006/main" matchingName="Title and Content" type="obj">
+<p:sldLayout xmlns:a="http://schemas.openxmlformats.org/drawingml/2006/main" xmlns:r="http://schemas.openxmlformats.org/officeDocument/2006/relationships" xmlns:p="http://schemas.openxmlformats.org/presentationml/2006/main" type="obj" matchingName="Title and Content">
   <p:cSld name="OBJECT">
     <p:spTree>
       <p:nvGrpSpPr>
@@ -8800,7 +8723,7 @@
               <a:buChar char="▶"/>
               <a:defRPr/>
             </a:lvl2pPr>
-            <a:lvl3pPr marL="1371600" lvl="2" indent="-320039" algn="l">
+            <a:lvl3pPr marL="1371600" lvl="2" indent="-320040" algn="l">
               <a:spcBef>
                 <a:spcPts val="600"/>
               </a:spcBef>
@@ -8811,7 +8734,7 @@
               <a:buChar char="▶"/>
               <a:defRPr/>
             </a:lvl3pPr>
-            <a:lvl4pPr marL="1828800" lvl="3" indent="-320039" algn="l">
+            <a:lvl4pPr marL="1828800" lvl="3" indent="-320040" algn="l">
               <a:spcBef>
                 <a:spcPts val="600"/>
               </a:spcBef>
@@ -8822,7 +8745,7 @@
               <a:buChar char="▶"/>
               <a:defRPr/>
             </a:lvl4pPr>
-            <a:lvl5pPr marL="2286000" lvl="4" indent="-320039" algn="l">
+            <a:lvl5pPr marL="2286000" lvl="4" indent="-320040" algn="l">
               <a:spcBef>
                 <a:spcPts val="600"/>
               </a:spcBef>
@@ -8833,7 +8756,7 @@
               <a:buChar char="▶"/>
               <a:defRPr/>
             </a:lvl5pPr>
-            <a:lvl6pPr marL="2743200" lvl="5" indent="-320039" algn="l">
+            <a:lvl6pPr marL="2743200" lvl="5" indent="-320040" algn="l">
               <a:spcBef>
                 <a:spcPts val="600"/>
               </a:spcBef>
@@ -8844,7 +8767,7 @@
               <a:buChar char="▶"/>
               <a:defRPr/>
             </a:lvl6pPr>
-            <a:lvl7pPr marL="3200400" lvl="6" indent="-320039" algn="l">
+            <a:lvl7pPr marL="3200400" lvl="6" indent="-320040" algn="l">
               <a:spcBef>
                 <a:spcPts val="600"/>
               </a:spcBef>
@@ -8878,9 +8801,7 @@
               <a:defRPr/>
             </a:lvl9pPr>
           </a:lstStyle>
-          <a:p>
-            <a:endParaRPr/>
-          </a:p>
+          <a:p/>
         </p:txBody>
       </p:sp>
       <p:sp>
@@ -9014,9 +8935,7 @@
               <a:defRPr/>
             </a:lvl9pPr>
           </a:lstStyle>
-          <a:p>
-            <a:endParaRPr/>
-          </a:p>
+          <a:p/>
         </p:txBody>
       </p:sp>
       <p:sp>
@@ -9147,9 +9066,7 @@
               <a:defRPr/>
             </a:lvl9pPr>
           </a:lstStyle>
-          <a:p>
-            <a:endParaRPr/>
-          </a:p>
+          <a:p/>
         </p:txBody>
       </p:sp>
       <p:sp>
@@ -9280,9 +9197,7 @@
               <a:defRPr/>
             </a:lvl9pPr>
           </a:lstStyle>
-          <a:p>
-            <a:endParaRPr/>
-          </a:p>
+          <a:p/>
         </p:txBody>
       </p:sp>
       <p:sp>
@@ -9389,21 +9304,14 @@
             </a:pPr>
             <a:fld id="{00000000-1234-1234-1234-123412341234}" type="slidenum">
               <a:rPr lang="en-US"/>
-              <a:t>‹#›</a:t>
             </a:fld>
-            <a:endParaRPr/>
+            <a:endParaRPr lang="en-US"/>
           </a:p>
         </p:txBody>
       </p:sp>
       <p:pic>
         <p:nvPicPr>
-          <p:cNvPr id="2" name="Picture 2" descr="Boston University Logo, symbol, meaning, history, PNG">
-            <a:extLst>
-              <a:ext uri="{FF2B5EF4-FFF2-40B4-BE49-F238E27FC236}">
-                <a16:creationId xmlns:a16="http://schemas.microsoft.com/office/drawing/2014/main" id="{72433DAB-EF1E-63FF-D528-1B9557CA3923}"/>
-              </a:ext>
-            </a:extLst>
-          </p:cNvPr>
+          <p:cNvPr id="2" name="Picture 2" descr="Boston University Logo, symbol, meaning, history, PNG"/>
           <p:cNvPicPr>
             <a:picLocks noChangeAspect="1" noChangeArrowheads="1"/>
           </p:cNvPicPr>
@@ -9451,7 +9359,7 @@
 </file>
 
 <file path=ppt/slideLayouts/slideLayout3.xml><?xml version="1.0" encoding="utf-8"?>
-<p:sldLayout xmlns:a="http://schemas.openxmlformats.org/drawingml/2006/main" xmlns:r="http://schemas.openxmlformats.org/officeDocument/2006/relationships" xmlns:p="http://schemas.openxmlformats.org/presentationml/2006/main" matchingName="Section Header" type="secHead">
+<p:sldLayout xmlns:a="http://schemas.openxmlformats.org/drawingml/2006/main" xmlns:r="http://schemas.openxmlformats.org/officeDocument/2006/relationships" xmlns:p="http://schemas.openxmlformats.org/presentationml/2006/main" type="secHead" matchingName="Section Header">
   <p:cSld name="SECTION_HEADER">
     <p:spTree>
       <p:nvGrpSpPr>
@@ -9506,7 +9414,7 @@
                 <a:schemeClr val="lt1"/>
               </a:buClr>
               <a:buSzPts val="3600"/>
-              <a:buFont typeface="Century Gothic"/>
+              <a:buFont typeface="Century Gothic" panose="020B0502020202020204"/>
               <a:buNone/>
               <a:defRPr sz="3600" b="0" cap="none"/>
             </a:lvl1pPr>
@@ -9599,9 +9507,7 @@
               <a:defRPr/>
             </a:lvl9pPr>
           </a:lstStyle>
-          <a:p>
-            <a:endParaRPr/>
-          </a:p>
+          <a:p/>
         </p:txBody>
       </p:sp>
       <p:sp>
@@ -9768,9 +9674,7 @@
               </a:defRPr>
             </a:lvl9pPr>
           </a:lstStyle>
-          <a:p>
-            <a:endParaRPr/>
-          </a:p>
+          <a:p/>
         </p:txBody>
       </p:sp>
       <p:sp>
@@ -9901,9 +9805,7 @@
               <a:defRPr/>
             </a:lvl9pPr>
           </a:lstStyle>
-          <a:p>
-            <a:endParaRPr/>
-          </a:p>
+          <a:p/>
         </p:txBody>
       </p:sp>
       <p:sp>
@@ -10034,9 +9936,7 @@
               <a:defRPr/>
             </a:lvl9pPr>
           </a:lstStyle>
-          <a:p>
-            <a:endParaRPr/>
-          </a:p>
+          <a:p/>
         </p:txBody>
       </p:sp>
       <p:sp>
@@ -10143,9 +10043,8 @@
             </a:pPr>
             <a:fld id="{00000000-1234-1234-1234-123412341234}" type="slidenum">
               <a:rPr lang="en-US"/>
-              <a:t>‹#›</a:t>
             </a:fld>
-            <a:endParaRPr/>
+            <a:endParaRPr lang="en-US"/>
           </a:p>
         </p:txBody>
       </p:sp>
@@ -10158,7 +10057,7 @@
 </file>
 
 <file path=ppt/slideLayouts/slideLayout4.xml><?xml version="1.0" encoding="utf-8"?>
-<p:sldLayout xmlns:a="http://schemas.openxmlformats.org/drawingml/2006/main" xmlns:r="http://schemas.openxmlformats.org/officeDocument/2006/relationships" xmlns:p="http://schemas.openxmlformats.org/presentationml/2006/main" matchingName="Two Content" type="twoObj">
+<p:sldLayout xmlns:a="http://schemas.openxmlformats.org/drawingml/2006/main" xmlns:r="http://schemas.openxmlformats.org/officeDocument/2006/relationships" xmlns:p="http://schemas.openxmlformats.org/presentationml/2006/main" type="twoObj" matchingName="Two Content">
   <p:cSld name="TWO_OBJECTS">
     <p:spTree>
       <p:nvGrpSpPr>
@@ -10305,9 +10204,7 @@
               <a:defRPr/>
             </a:lvl9pPr>
           </a:lstStyle>
-          <a:p>
-            <a:endParaRPr/>
-          </a:p>
+          <a:p/>
         </p:txBody>
       </p:sp>
       <p:sp>
@@ -10360,7 +10257,7 @@
               <a:buChar char="▶"/>
               <a:defRPr/>
             </a:lvl2pPr>
-            <a:lvl3pPr marL="1371600" lvl="2" indent="-320039" algn="l">
+            <a:lvl3pPr marL="1371600" lvl="2" indent="-320040" algn="l">
               <a:spcBef>
                 <a:spcPts val="600"/>
               </a:spcBef>
@@ -10371,7 +10268,7 @@
               <a:buChar char="▶"/>
               <a:defRPr/>
             </a:lvl3pPr>
-            <a:lvl4pPr marL="1828800" lvl="3" indent="-320039" algn="l">
+            <a:lvl4pPr marL="1828800" lvl="3" indent="-320040" algn="l">
               <a:spcBef>
                 <a:spcPts val="600"/>
               </a:spcBef>
@@ -10382,7 +10279,7 @@
               <a:buChar char="▶"/>
               <a:defRPr/>
             </a:lvl4pPr>
-            <a:lvl5pPr marL="2286000" lvl="4" indent="-320039" algn="l">
+            <a:lvl5pPr marL="2286000" lvl="4" indent="-320040" algn="l">
               <a:spcBef>
                 <a:spcPts val="600"/>
               </a:spcBef>
@@ -10393,7 +10290,7 @@
               <a:buChar char="▶"/>
               <a:defRPr/>
             </a:lvl5pPr>
-            <a:lvl6pPr marL="2743200" lvl="5" indent="-320039" algn="l">
+            <a:lvl6pPr marL="2743200" lvl="5" indent="-320040" algn="l">
               <a:spcBef>
                 <a:spcPts val="600"/>
               </a:spcBef>
@@ -10404,7 +10301,7 @@
               <a:buChar char="▶"/>
               <a:defRPr/>
             </a:lvl6pPr>
-            <a:lvl7pPr marL="3200400" lvl="6" indent="-320039" algn="l">
+            <a:lvl7pPr marL="3200400" lvl="6" indent="-320040" algn="l">
               <a:spcBef>
                 <a:spcPts val="600"/>
               </a:spcBef>
@@ -10438,9 +10335,7 @@
               <a:defRPr/>
             </a:lvl9pPr>
           </a:lstStyle>
-          <a:p>
-            <a:endParaRPr/>
-          </a:p>
+          <a:p/>
         </p:txBody>
       </p:sp>
       <p:sp>
@@ -10493,7 +10388,7 @@
               <a:buChar char="▶"/>
               <a:defRPr/>
             </a:lvl2pPr>
-            <a:lvl3pPr marL="1371600" lvl="2" indent="-320039" algn="l">
+            <a:lvl3pPr marL="1371600" lvl="2" indent="-320040" algn="l">
               <a:spcBef>
                 <a:spcPts val="600"/>
               </a:spcBef>
@@ -10504,7 +10399,7 @@
               <a:buChar char="▶"/>
               <a:defRPr/>
             </a:lvl3pPr>
-            <a:lvl4pPr marL="1828800" lvl="3" indent="-320039" algn="l">
+            <a:lvl4pPr marL="1828800" lvl="3" indent="-320040" algn="l">
               <a:spcBef>
                 <a:spcPts val="600"/>
               </a:spcBef>
@@ -10515,7 +10410,7 @@
               <a:buChar char="▶"/>
               <a:defRPr/>
             </a:lvl4pPr>
-            <a:lvl5pPr marL="2286000" lvl="4" indent="-320039" algn="l">
+            <a:lvl5pPr marL="2286000" lvl="4" indent="-320040" algn="l">
               <a:spcBef>
                 <a:spcPts val="600"/>
               </a:spcBef>
@@ -10526,7 +10421,7 @@
               <a:buChar char="▶"/>
               <a:defRPr/>
             </a:lvl5pPr>
-            <a:lvl6pPr marL="2743200" lvl="5" indent="-320039" algn="l">
+            <a:lvl6pPr marL="2743200" lvl="5" indent="-320040" algn="l">
               <a:spcBef>
                 <a:spcPts val="600"/>
               </a:spcBef>
@@ -10537,7 +10432,7 @@
               <a:buChar char="▶"/>
               <a:defRPr/>
             </a:lvl6pPr>
-            <a:lvl7pPr marL="3200400" lvl="6" indent="-320039" algn="l">
+            <a:lvl7pPr marL="3200400" lvl="6" indent="-320040" algn="l">
               <a:spcBef>
                 <a:spcPts val="600"/>
               </a:spcBef>
@@ -10571,9 +10466,7 @@
               <a:defRPr/>
             </a:lvl9pPr>
           </a:lstStyle>
-          <a:p>
-            <a:endParaRPr/>
-          </a:p>
+          <a:p/>
         </p:txBody>
       </p:sp>
       <p:sp>
@@ -10704,9 +10597,7 @@
               <a:defRPr/>
             </a:lvl9pPr>
           </a:lstStyle>
-          <a:p>
-            <a:endParaRPr/>
-          </a:p>
+          <a:p/>
         </p:txBody>
       </p:sp>
       <p:sp>
@@ -10837,9 +10728,7 @@
               <a:defRPr/>
             </a:lvl9pPr>
           </a:lstStyle>
-          <a:p>
-            <a:endParaRPr/>
-          </a:p>
+          <a:p/>
         </p:txBody>
       </p:sp>
       <p:sp>
@@ -10946,9 +10835,8 @@
             </a:pPr>
             <a:fld id="{00000000-1234-1234-1234-123412341234}" type="slidenum">
               <a:rPr lang="en-US"/>
-              <a:t>‹#›</a:t>
             </a:fld>
-            <a:endParaRPr/>
+            <a:endParaRPr lang="en-US"/>
           </a:p>
         </p:txBody>
       </p:sp>
@@ -10961,7 +10849,7 @@
 </file>
 
 <file path=ppt/slideLayouts/slideLayout5.xml><?xml version="1.0" encoding="utf-8"?>
-<p:sldLayout xmlns:a="http://schemas.openxmlformats.org/drawingml/2006/main" xmlns:r="http://schemas.openxmlformats.org/officeDocument/2006/relationships" xmlns:p="http://schemas.openxmlformats.org/presentationml/2006/main" matchingName="Comparison" type="twoTxTwoObj">
+<p:sldLayout xmlns:a="http://schemas.openxmlformats.org/drawingml/2006/main" xmlns:r="http://schemas.openxmlformats.org/officeDocument/2006/relationships" xmlns:p="http://schemas.openxmlformats.org/presentationml/2006/main" type="twoTxTwoObj" matchingName="Comparison">
   <p:cSld name="TWO_OBJECTS_WITH_TEXT">
     <p:spTree>
       <p:nvGrpSpPr>
@@ -11016,7 +10904,7 @@
                 <a:schemeClr val="lt1"/>
               </a:buClr>
               <a:buSzPts val="3600"/>
-              <a:buFont typeface="Century Gothic"/>
+              <a:buFont typeface="Century Gothic" panose="020B0502020202020204"/>
               <a:buNone/>
               <a:defRPr/>
             </a:lvl1pPr>
@@ -11109,9 +10997,7 @@
               <a:defRPr/>
             </a:lvl9pPr>
           </a:lstStyle>
-          <a:p>
-            <a:endParaRPr/>
-          </a:p>
+          <a:p/>
         </p:txBody>
       </p:sp>
       <p:sp>
@@ -11246,9 +11132,7 @@
               <a:defRPr sz="1600" b="1"/>
             </a:lvl9pPr>
           </a:lstStyle>
-          <a:p>
-            <a:endParaRPr/>
-          </a:p>
+          <a:p/>
         </p:txBody>
       </p:sp>
       <p:sp>
@@ -11301,7 +11185,7 @@
               <a:buChar char="▶"/>
               <a:defRPr/>
             </a:lvl2pPr>
-            <a:lvl3pPr marL="1371600" lvl="2" indent="-320039" algn="l">
+            <a:lvl3pPr marL="1371600" lvl="2" indent="-320040" algn="l">
               <a:spcBef>
                 <a:spcPts val="600"/>
               </a:spcBef>
@@ -11312,7 +11196,7 @@
               <a:buChar char="▶"/>
               <a:defRPr/>
             </a:lvl3pPr>
-            <a:lvl4pPr marL="1828800" lvl="3" indent="-320039" algn="l">
+            <a:lvl4pPr marL="1828800" lvl="3" indent="-320040" algn="l">
               <a:spcBef>
                 <a:spcPts val="600"/>
               </a:spcBef>
@@ -11323,7 +11207,7 @@
               <a:buChar char="▶"/>
               <a:defRPr/>
             </a:lvl4pPr>
-            <a:lvl5pPr marL="2286000" lvl="4" indent="-320039" algn="l">
+            <a:lvl5pPr marL="2286000" lvl="4" indent="-320040" algn="l">
               <a:spcBef>
                 <a:spcPts val="600"/>
               </a:spcBef>
@@ -11334,7 +11218,7 @@
               <a:buChar char="▶"/>
               <a:defRPr/>
             </a:lvl5pPr>
-            <a:lvl6pPr marL="2743200" lvl="5" indent="-320039" algn="l">
+            <a:lvl6pPr marL="2743200" lvl="5" indent="-320040" algn="l">
               <a:spcBef>
                 <a:spcPts val="600"/>
               </a:spcBef>
@@ -11345,7 +11229,7 @@
               <a:buChar char="▶"/>
               <a:defRPr/>
             </a:lvl6pPr>
-            <a:lvl7pPr marL="3200400" lvl="6" indent="-320039" algn="l">
+            <a:lvl7pPr marL="3200400" lvl="6" indent="-320040" algn="l">
               <a:spcBef>
                 <a:spcPts val="600"/>
               </a:spcBef>
@@ -11379,9 +11263,7 @@
               <a:defRPr/>
             </a:lvl9pPr>
           </a:lstStyle>
-          <a:p>
-            <a:endParaRPr/>
-          </a:p>
+          <a:p/>
         </p:txBody>
       </p:sp>
       <p:sp>
@@ -11516,9 +11398,7 @@
               <a:defRPr sz="1600" b="1"/>
             </a:lvl9pPr>
           </a:lstStyle>
-          <a:p>
-            <a:endParaRPr/>
-          </a:p>
+          <a:p/>
         </p:txBody>
       </p:sp>
       <p:sp>
@@ -11571,7 +11451,7 @@
               <a:buChar char="▶"/>
               <a:defRPr/>
             </a:lvl2pPr>
-            <a:lvl3pPr marL="1371600" lvl="2" indent="-320039" algn="l">
+            <a:lvl3pPr marL="1371600" lvl="2" indent="-320040" algn="l">
               <a:spcBef>
                 <a:spcPts val="600"/>
               </a:spcBef>
@@ -11582,7 +11462,7 @@
               <a:buChar char="▶"/>
               <a:defRPr/>
             </a:lvl3pPr>
-            <a:lvl4pPr marL="1828800" lvl="3" indent="-320039" algn="l">
+            <a:lvl4pPr marL="1828800" lvl="3" indent="-320040" algn="l">
               <a:spcBef>
                 <a:spcPts val="600"/>
               </a:spcBef>
@@ -11593,7 +11473,7 @@
               <a:buChar char="▶"/>
               <a:defRPr/>
             </a:lvl4pPr>
-            <a:lvl5pPr marL="2286000" lvl="4" indent="-320039" algn="l">
+            <a:lvl5pPr marL="2286000" lvl="4" indent="-320040" algn="l">
               <a:spcBef>
                 <a:spcPts val="600"/>
               </a:spcBef>
@@ -11604,7 +11484,7 @@
               <a:buChar char="▶"/>
               <a:defRPr/>
             </a:lvl5pPr>
-            <a:lvl6pPr marL="2743200" lvl="5" indent="-320039" algn="l">
+            <a:lvl6pPr marL="2743200" lvl="5" indent="-320040" algn="l">
               <a:spcBef>
                 <a:spcPts val="600"/>
               </a:spcBef>
@@ -11615,7 +11495,7 @@
               <a:buChar char="▶"/>
               <a:defRPr/>
             </a:lvl6pPr>
-            <a:lvl7pPr marL="3200400" lvl="6" indent="-320039" algn="l">
+            <a:lvl7pPr marL="3200400" lvl="6" indent="-320040" algn="l">
               <a:spcBef>
                 <a:spcPts val="600"/>
               </a:spcBef>
@@ -11649,9 +11529,7 @@
               <a:defRPr/>
             </a:lvl9pPr>
           </a:lstStyle>
-          <a:p>
-            <a:endParaRPr/>
-          </a:p>
+          <a:p/>
         </p:txBody>
       </p:sp>
       <p:sp>
@@ -11782,9 +11660,7 @@
               <a:defRPr/>
             </a:lvl9pPr>
           </a:lstStyle>
-          <a:p>
-            <a:endParaRPr/>
-          </a:p>
+          <a:p/>
         </p:txBody>
       </p:sp>
       <p:sp>
@@ -11915,9 +11791,7 @@
               <a:defRPr/>
             </a:lvl9pPr>
           </a:lstStyle>
-          <a:p>
-            <a:endParaRPr/>
-          </a:p>
+          <a:p/>
         </p:txBody>
       </p:sp>
       <p:sp>
@@ -12024,9 +11898,8 @@
             </a:pPr>
             <a:fld id="{00000000-1234-1234-1234-123412341234}" type="slidenum">
               <a:rPr lang="en-US"/>
-              <a:t>‹#›</a:t>
             </a:fld>
-            <a:endParaRPr/>
+            <a:endParaRPr lang="en-US"/>
           </a:p>
         </p:txBody>
       </p:sp>
@@ -12039,7 +11912,7 @@
 </file>
 
 <file path=ppt/slideLayouts/slideLayout6.xml><?xml version="1.0" encoding="utf-8"?>
-<p:sldLayout xmlns:a="http://schemas.openxmlformats.org/drawingml/2006/main" xmlns:r="http://schemas.openxmlformats.org/officeDocument/2006/relationships" xmlns:p="http://schemas.openxmlformats.org/presentationml/2006/main" matchingName="Title Only" type="titleOnly">
+<p:sldLayout xmlns:a="http://schemas.openxmlformats.org/drawingml/2006/main" xmlns:r="http://schemas.openxmlformats.org/officeDocument/2006/relationships" xmlns:p="http://schemas.openxmlformats.org/presentationml/2006/main" type="titleOnly" matchingName="Title Only">
   <p:cSld name="TITLE_ONLY">
     <p:spTree>
       <p:nvGrpSpPr>
@@ -12186,9 +12059,7 @@
               <a:defRPr/>
             </a:lvl9pPr>
           </a:lstStyle>
-          <a:p>
-            <a:endParaRPr/>
-          </a:p>
+          <a:p/>
         </p:txBody>
       </p:sp>
       <p:sp>
@@ -12319,9 +12190,7 @@
               <a:defRPr/>
             </a:lvl9pPr>
           </a:lstStyle>
-          <a:p>
-            <a:endParaRPr/>
-          </a:p>
+          <a:p/>
         </p:txBody>
       </p:sp>
       <p:sp>
@@ -12452,9 +12321,7 @@
               <a:defRPr/>
             </a:lvl9pPr>
           </a:lstStyle>
-          <a:p>
-            <a:endParaRPr/>
-          </a:p>
+          <a:p/>
         </p:txBody>
       </p:sp>
       <p:sp>
@@ -12561,9 +12428,8 @@
             </a:pPr>
             <a:fld id="{00000000-1234-1234-1234-123412341234}" type="slidenum">
               <a:rPr lang="en-US"/>
-              <a:t>‹#›</a:t>
             </a:fld>
-            <a:endParaRPr/>
+            <a:endParaRPr lang="en-US"/>
           </a:p>
         </p:txBody>
       </p:sp>
@@ -12576,7 +12442,7 @@
 </file>
 
 <file path=ppt/slideLayouts/slideLayout7.xml><?xml version="1.0" encoding="utf-8"?>
-<p:sldLayout xmlns:a="http://schemas.openxmlformats.org/drawingml/2006/main" xmlns:r="http://schemas.openxmlformats.org/officeDocument/2006/relationships" xmlns:p="http://schemas.openxmlformats.org/presentationml/2006/main" matchingName="Blank" type="blank">
+<p:sldLayout xmlns:a="http://schemas.openxmlformats.org/drawingml/2006/main" xmlns:r="http://schemas.openxmlformats.org/officeDocument/2006/relationships" xmlns:p="http://schemas.openxmlformats.org/presentationml/2006/main" type="blank" matchingName="Blank">
   <p:cSld name="BLANK">
     <p:spTree>
       <p:nvGrpSpPr>
@@ -12720,9 +12586,7 @@
               <a:defRPr/>
             </a:lvl9pPr>
           </a:lstStyle>
-          <a:p>
-            <a:endParaRPr/>
-          </a:p>
+          <a:p/>
         </p:txBody>
       </p:sp>
       <p:sp>
@@ -12853,9 +12717,7 @@
               <a:defRPr/>
             </a:lvl9pPr>
           </a:lstStyle>
-          <a:p>
-            <a:endParaRPr/>
-          </a:p>
+          <a:p/>
         </p:txBody>
       </p:sp>
       <p:sp>
@@ -12962,9 +12824,8 @@
             </a:pPr>
             <a:fld id="{00000000-1234-1234-1234-123412341234}" type="slidenum">
               <a:rPr lang="en-US"/>
-              <a:t>‹#›</a:t>
             </a:fld>
-            <a:endParaRPr/>
+            <a:endParaRPr lang="en-US"/>
           </a:p>
         </p:txBody>
       </p:sp>
@@ -12977,7 +12838,7 @@
 </file>
 
 <file path=ppt/slideLayouts/slideLayout8.xml><?xml version="1.0" encoding="utf-8"?>
-<p:sldLayout xmlns:a="http://schemas.openxmlformats.org/drawingml/2006/main" xmlns:r="http://schemas.openxmlformats.org/officeDocument/2006/relationships" xmlns:p="http://schemas.openxmlformats.org/presentationml/2006/main" matchingName="Content with Caption" type="objTx">
+<p:sldLayout xmlns:a="http://schemas.openxmlformats.org/drawingml/2006/main" xmlns:r="http://schemas.openxmlformats.org/officeDocument/2006/relationships" xmlns:p="http://schemas.openxmlformats.org/presentationml/2006/main" type="objTx" matchingName="Content with Caption">
   <p:cSld name="OBJECT_WITH_CAPTION_TEXT">
     <p:spTree>
       <p:nvGrpSpPr>
@@ -13032,7 +12893,7 @@
                 <a:schemeClr val="lt1"/>
               </a:buClr>
               <a:buSzPts val="2400"/>
-              <a:buFont typeface="Century Gothic"/>
+              <a:buFont typeface="Century Gothic" panose="020B0502020202020204"/>
               <a:buNone/>
               <a:defRPr sz="2400" b="0"/>
             </a:lvl1pPr>
@@ -13125,9 +12986,7 @@
               <a:defRPr/>
             </a:lvl9pPr>
           </a:lstStyle>
-          <a:p>
-            <a:endParaRPr/>
-          </a:p>
+          <a:p/>
         </p:txBody>
       </p:sp>
       <p:sp>
@@ -13180,7 +13039,7 @@
               <a:buChar char="▶"/>
               <a:defRPr/>
             </a:lvl2pPr>
-            <a:lvl3pPr marL="1371600" lvl="2" indent="-320039" algn="l">
+            <a:lvl3pPr marL="1371600" lvl="2" indent="-320040" algn="l">
               <a:spcBef>
                 <a:spcPts val="600"/>
               </a:spcBef>
@@ -13191,7 +13050,7 @@
               <a:buChar char="▶"/>
               <a:defRPr/>
             </a:lvl3pPr>
-            <a:lvl4pPr marL="1828800" lvl="3" indent="-320039" algn="l">
+            <a:lvl4pPr marL="1828800" lvl="3" indent="-320040" algn="l">
               <a:spcBef>
                 <a:spcPts val="600"/>
               </a:spcBef>
@@ -13202,7 +13061,7 @@
               <a:buChar char="▶"/>
               <a:defRPr/>
             </a:lvl4pPr>
-            <a:lvl5pPr marL="2286000" lvl="4" indent="-320039" algn="l">
+            <a:lvl5pPr marL="2286000" lvl="4" indent="-320040" algn="l">
               <a:spcBef>
                 <a:spcPts val="600"/>
               </a:spcBef>
@@ -13213,7 +13072,7 @@
               <a:buChar char="▶"/>
               <a:defRPr/>
             </a:lvl5pPr>
-            <a:lvl6pPr marL="2743200" lvl="5" indent="-320039" algn="l">
+            <a:lvl6pPr marL="2743200" lvl="5" indent="-320040" algn="l">
               <a:spcBef>
                 <a:spcPts val="600"/>
               </a:spcBef>
@@ -13224,7 +13083,7 @@
               <a:buChar char="▶"/>
               <a:defRPr/>
             </a:lvl6pPr>
-            <a:lvl7pPr marL="3200400" lvl="6" indent="-320039" algn="l">
+            <a:lvl7pPr marL="3200400" lvl="6" indent="-320040" algn="l">
               <a:spcBef>
                 <a:spcPts val="600"/>
               </a:spcBef>
@@ -13258,9 +13117,7 @@
               <a:defRPr/>
             </a:lvl9pPr>
           </a:lstStyle>
-          <a:p>
-            <a:endParaRPr/>
-          </a:p>
+          <a:p/>
         </p:txBody>
       </p:sp>
       <p:sp>
@@ -13391,9 +13248,7 @@
               <a:defRPr sz="900"/>
             </a:lvl9pPr>
           </a:lstStyle>
-          <a:p>
-            <a:endParaRPr/>
-          </a:p>
+          <a:p/>
         </p:txBody>
       </p:sp>
       <p:sp>
@@ -13524,9 +13379,7 @@
               <a:defRPr/>
             </a:lvl9pPr>
           </a:lstStyle>
-          <a:p>
-            <a:endParaRPr/>
-          </a:p>
+          <a:p/>
         </p:txBody>
       </p:sp>
       <p:sp>
@@ -13657,9 +13510,7 @@
               <a:defRPr/>
             </a:lvl9pPr>
           </a:lstStyle>
-          <a:p>
-            <a:endParaRPr/>
-          </a:p>
+          <a:p/>
         </p:txBody>
       </p:sp>
       <p:sp>
@@ -13766,9 +13617,8 @@
             </a:pPr>
             <a:fld id="{00000000-1234-1234-1234-123412341234}" type="slidenum">
               <a:rPr lang="en-US"/>
-              <a:t>‹#›</a:t>
             </a:fld>
-            <a:endParaRPr/>
+            <a:endParaRPr lang="en-US"/>
           </a:p>
         </p:txBody>
       </p:sp>
@@ -13781,7 +13631,7 @@
 </file>
 
 <file path=ppt/slideLayouts/slideLayout9.xml><?xml version="1.0" encoding="utf-8"?>
-<p:sldLayout xmlns:a="http://schemas.openxmlformats.org/drawingml/2006/main" xmlns:r="http://schemas.openxmlformats.org/officeDocument/2006/relationships" xmlns:p="http://schemas.openxmlformats.org/presentationml/2006/main" matchingName="Picture with Caption" type="picTx">
+<p:sldLayout xmlns:a="http://schemas.openxmlformats.org/drawingml/2006/main" xmlns:r="http://schemas.openxmlformats.org/officeDocument/2006/relationships" xmlns:p="http://schemas.openxmlformats.org/presentationml/2006/main" type="picTx" matchingName="Picture with Caption">
   <p:cSld name="PICTURE_WITH_CAPTION_TEXT">
     <p:spTree>
       <p:nvGrpSpPr>
@@ -13836,7 +13686,7 @@
                 <a:schemeClr val="lt1"/>
               </a:buClr>
               <a:buSzPts val="2800"/>
-              <a:buFont typeface="Century Gothic"/>
+              <a:buFont typeface="Century Gothic" panose="020B0502020202020204"/>
               <a:buNone/>
               <a:defRPr sz="2800" b="0"/>
             </a:lvl1pPr>
@@ -13929,9 +13779,7 @@
               <a:defRPr/>
             </a:lvl9pPr>
           </a:lstStyle>
-          <a:p>
-            <a:endParaRPr/>
-          </a:p>
+          <a:p/>
         </p:txBody>
       </p:sp>
       <p:sp>
@@ -14097,9 +13945,7 @@
               <a:defRPr sz="900"/>
             </a:lvl9pPr>
           </a:lstStyle>
-          <a:p>
-            <a:endParaRPr/>
-          </a:p>
+          <a:p/>
         </p:txBody>
       </p:sp>
       <p:sp>
@@ -14230,9 +14076,7 @@
               <a:defRPr/>
             </a:lvl9pPr>
           </a:lstStyle>
-          <a:p>
-            <a:endParaRPr/>
-          </a:p>
+          <a:p/>
         </p:txBody>
       </p:sp>
       <p:sp>
@@ -14363,9 +14207,7 @@
               <a:defRPr/>
             </a:lvl9pPr>
           </a:lstStyle>
-          <a:p>
-            <a:endParaRPr/>
-          </a:p>
+          <a:p/>
         </p:txBody>
       </p:sp>
       <p:sp>
@@ -14472,9 +14314,8 @@
             </a:pPr>
             <a:fld id="{00000000-1234-1234-1234-123412341234}" type="slidenum">
               <a:rPr lang="en-US"/>
-              <a:t>‹#›</a:t>
             </a:fld>
-            <a:endParaRPr/>
+            <a:endParaRPr lang="en-US"/>
           </a:p>
         </p:txBody>
       </p:sp>
@@ -14706,16 +14547,16 @@
                 <a:schemeClr val="lt1"/>
               </a:buClr>
               <a:buSzPts val="3600"/>
-              <a:buFont typeface="Century Gothic"/>
+              <a:buFont typeface="Century Gothic" panose="020B0502020202020204"/>
               <a:buNone/>
               <a:defRPr sz="3600" b="0" i="0" u="none" strike="noStrike" cap="none">
                 <a:solidFill>
                   <a:schemeClr val="lt1"/>
                 </a:solidFill>
-                <a:latin typeface="Century Gothic"/>
-                <a:ea typeface="Century Gothic"/>
-                <a:cs typeface="Century Gothic"/>
-                <a:sym typeface="Century Gothic"/>
+                <a:latin typeface="Century Gothic" panose="020B0502020202020204"/>
+                <a:ea typeface="Century Gothic" panose="020B0502020202020204"/>
+                <a:cs typeface="Century Gothic" panose="020B0502020202020204"/>
+                <a:sym typeface="Century Gothic" panose="020B0502020202020204"/>
               </a:defRPr>
             </a:lvl1pPr>
             <a:lvl2pPr marR="0" lvl="1" algn="l" rtl="0">
@@ -14839,9 +14680,7 @@
               </a:defRPr>
             </a:lvl9pPr>
           </a:lstStyle>
-          <a:p>
-            <a:endParaRPr/>
-          </a:p>
+          <a:p/>
         </p:txBody>
       </p:sp>
       <p:sp>
@@ -14889,10 +14728,10 @@
                 <a:solidFill>
                   <a:schemeClr val="lt1"/>
                 </a:solidFill>
-                <a:latin typeface="Century Gothic"/>
-                <a:ea typeface="Century Gothic"/>
-                <a:cs typeface="Century Gothic"/>
-                <a:sym typeface="Century Gothic"/>
+                <a:latin typeface="Century Gothic" panose="020B0502020202020204"/>
+                <a:ea typeface="Century Gothic" panose="020B0502020202020204"/>
+                <a:cs typeface="Century Gothic" panose="020B0502020202020204"/>
+                <a:sym typeface="Century Gothic" panose="020B0502020202020204"/>
               </a:defRPr>
             </a:lvl1pPr>
             <a:lvl2pPr marL="914400" marR="0" lvl="1" indent="-320040" algn="l" rtl="0">
@@ -14912,10 +14751,10 @@
                 <a:solidFill>
                   <a:schemeClr val="lt1"/>
                 </a:solidFill>
-                <a:latin typeface="Century Gothic"/>
-                <a:ea typeface="Century Gothic"/>
-                <a:cs typeface="Century Gothic"/>
-                <a:sym typeface="Century Gothic"/>
+                <a:latin typeface="Century Gothic" panose="020B0502020202020204"/>
+                <a:ea typeface="Century Gothic" panose="020B0502020202020204"/>
+                <a:cs typeface="Century Gothic" panose="020B0502020202020204"/>
+                <a:sym typeface="Century Gothic" panose="020B0502020202020204"/>
               </a:defRPr>
             </a:lvl2pPr>
             <a:lvl3pPr marL="1371600" marR="0" lvl="2" indent="-309880" algn="l" rtl="0">
@@ -14935,13 +14774,13 @@
                 <a:solidFill>
                   <a:schemeClr val="lt1"/>
                 </a:solidFill>
-                <a:latin typeface="Century Gothic"/>
-                <a:ea typeface="Century Gothic"/>
-                <a:cs typeface="Century Gothic"/>
-                <a:sym typeface="Century Gothic"/>
+                <a:latin typeface="Century Gothic" panose="020B0502020202020204"/>
+                <a:ea typeface="Century Gothic" panose="020B0502020202020204"/>
+                <a:cs typeface="Century Gothic" panose="020B0502020202020204"/>
+                <a:sym typeface="Century Gothic" panose="020B0502020202020204"/>
               </a:defRPr>
             </a:lvl3pPr>
-            <a:lvl4pPr marL="1828800" marR="0" lvl="3" indent="-299719" algn="l" rtl="0">
+            <a:lvl4pPr marL="1828800" marR="0" lvl="3" indent="-299720" algn="l" rtl="0">
               <a:spcBef>
                 <a:spcPts val="600"/>
               </a:spcBef>
@@ -14958,10 +14797,10 @@
                 <a:solidFill>
                   <a:schemeClr val="lt1"/>
                 </a:solidFill>
-                <a:latin typeface="Century Gothic"/>
-                <a:ea typeface="Century Gothic"/>
-                <a:cs typeface="Century Gothic"/>
-                <a:sym typeface="Century Gothic"/>
+                <a:latin typeface="Century Gothic" panose="020B0502020202020204"/>
+                <a:ea typeface="Century Gothic" panose="020B0502020202020204"/>
+                <a:cs typeface="Century Gothic" panose="020B0502020202020204"/>
+                <a:sym typeface="Century Gothic" panose="020B0502020202020204"/>
               </a:defRPr>
             </a:lvl4pPr>
             <a:lvl5pPr marL="2286000" marR="0" lvl="4" indent="-299720" algn="l" rtl="0">
@@ -14981,10 +14820,10 @@
                 <a:solidFill>
                   <a:schemeClr val="lt1"/>
                 </a:solidFill>
-                <a:latin typeface="Century Gothic"/>
-                <a:ea typeface="Century Gothic"/>
-                <a:cs typeface="Century Gothic"/>
-                <a:sym typeface="Century Gothic"/>
+                <a:latin typeface="Century Gothic" panose="020B0502020202020204"/>
+                <a:ea typeface="Century Gothic" panose="020B0502020202020204"/>
+                <a:cs typeface="Century Gothic" panose="020B0502020202020204"/>
+                <a:sym typeface="Century Gothic" panose="020B0502020202020204"/>
               </a:defRPr>
             </a:lvl5pPr>
             <a:lvl6pPr marL="2743200" marR="0" lvl="5" indent="-299720" algn="l" rtl="0">
@@ -15004,10 +14843,10 @@
                 <a:solidFill>
                   <a:schemeClr val="lt1"/>
                 </a:solidFill>
-                <a:latin typeface="Century Gothic"/>
-                <a:ea typeface="Century Gothic"/>
-                <a:cs typeface="Century Gothic"/>
-                <a:sym typeface="Century Gothic"/>
+                <a:latin typeface="Century Gothic" panose="020B0502020202020204"/>
+                <a:ea typeface="Century Gothic" panose="020B0502020202020204"/>
+                <a:cs typeface="Century Gothic" panose="020B0502020202020204"/>
+                <a:sym typeface="Century Gothic" panose="020B0502020202020204"/>
               </a:defRPr>
             </a:lvl6pPr>
             <a:lvl7pPr marL="3200400" marR="0" lvl="6" indent="-299720" algn="l" rtl="0">
@@ -15027,10 +14866,10 @@
                 <a:solidFill>
                   <a:schemeClr val="lt1"/>
                 </a:solidFill>
-                <a:latin typeface="Century Gothic"/>
-                <a:ea typeface="Century Gothic"/>
-                <a:cs typeface="Century Gothic"/>
-                <a:sym typeface="Century Gothic"/>
+                <a:latin typeface="Century Gothic" panose="020B0502020202020204"/>
+                <a:ea typeface="Century Gothic" panose="020B0502020202020204"/>
+                <a:cs typeface="Century Gothic" panose="020B0502020202020204"/>
+                <a:sym typeface="Century Gothic" panose="020B0502020202020204"/>
               </a:defRPr>
             </a:lvl7pPr>
             <a:lvl8pPr marL="3657600" marR="0" lvl="7" indent="-299720" algn="l" rtl="0">
@@ -15050,10 +14889,10 @@
                 <a:solidFill>
                   <a:schemeClr val="lt1"/>
                 </a:solidFill>
-                <a:latin typeface="Century Gothic"/>
-                <a:ea typeface="Century Gothic"/>
-                <a:cs typeface="Century Gothic"/>
-                <a:sym typeface="Century Gothic"/>
+                <a:latin typeface="Century Gothic" panose="020B0502020202020204"/>
+                <a:ea typeface="Century Gothic" panose="020B0502020202020204"/>
+                <a:cs typeface="Century Gothic" panose="020B0502020202020204"/>
+                <a:sym typeface="Century Gothic" panose="020B0502020202020204"/>
               </a:defRPr>
             </a:lvl8pPr>
             <a:lvl9pPr marL="4114800" marR="0" lvl="8" indent="-299720" algn="l" rtl="0">
@@ -15073,16 +14912,14 @@
                 <a:solidFill>
                   <a:schemeClr val="lt1"/>
                 </a:solidFill>
-                <a:latin typeface="Century Gothic"/>
-                <a:ea typeface="Century Gothic"/>
-                <a:cs typeface="Century Gothic"/>
-                <a:sym typeface="Century Gothic"/>
+                <a:latin typeface="Century Gothic" panose="020B0502020202020204"/>
+                <a:ea typeface="Century Gothic" panose="020B0502020202020204"/>
+                <a:cs typeface="Century Gothic" panose="020B0502020202020204"/>
+                <a:sym typeface="Century Gothic" panose="020B0502020202020204"/>
               </a:defRPr>
             </a:lvl9pPr>
           </a:lstStyle>
-          <a:p>
-            <a:endParaRPr/>
-          </a:p>
+          <a:p/>
         </p:txBody>
       </p:sp>
       <p:sp>
@@ -15126,10 +14963,10 @@
                 <a:solidFill>
                   <a:schemeClr val="dk2"/>
                 </a:solidFill>
-                <a:latin typeface="Century Gothic"/>
-                <a:ea typeface="Century Gothic"/>
-                <a:cs typeface="Century Gothic"/>
-                <a:sym typeface="Century Gothic"/>
+                <a:latin typeface="Century Gothic" panose="020B0502020202020204"/>
+                <a:ea typeface="Century Gothic" panose="020B0502020202020204"/>
+                <a:cs typeface="Century Gothic" panose="020B0502020202020204"/>
+                <a:sym typeface="Century Gothic" panose="020B0502020202020204"/>
               </a:defRPr>
             </a:lvl1pPr>
             <a:lvl2pPr marR="0" lvl="1" algn="l" rtl="0">
@@ -15145,10 +14982,10 @@
                 <a:solidFill>
                   <a:schemeClr val="lt1"/>
                 </a:solidFill>
-                <a:latin typeface="Century Gothic"/>
-                <a:ea typeface="Century Gothic"/>
-                <a:cs typeface="Century Gothic"/>
-                <a:sym typeface="Century Gothic"/>
+                <a:latin typeface="Century Gothic" panose="020B0502020202020204"/>
+                <a:ea typeface="Century Gothic" panose="020B0502020202020204"/>
+                <a:cs typeface="Century Gothic" panose="020B0502020202020204"/>
+                <a:sym typeface="Century Gothic" panose="020B0502020202020204"/>
               </a:defRPr>
             </a:lvl2pPr>
             <a:lvl3pPr marR="0" lvl="2" algn="l" rtl="0">
@@ -15164,10 +15001,10 @@
                 <a:solidFill>
                   <a:schemeClr val="lt1"/>
                 </a:solidFill>
-                <a:latin typeface="Century Gothic"/>
-                <a:ea typeface="Century Gothic"/>
-                <a:cs typeface="Century Gothic"/>
-                <a:sym typeface="Century Gothic"/>
+                <a:latin typeface="Century Gothic" panose="020B0502020202020204"/>
+                <a:ea typeface="Century Gothic" panose="020B0502020202020204"/>
+                <a:cs typeface="Century Gothic" panose="020B0502020202020204"/>
+                <a:sym typeface="Century Gothic" panose="020B0502020202020204"/>
               </a:defRPr>
             </a:lvl3pPr>
             <a:lvl4pPr marR="0" lvl="3" algn="l" rtl="0">
@@ -15183,10 +15020,10 @@
                 <a:solidFill>
                   <a:schemeClr val="lt1"/>
                 </a:solidFill>
-                <a:latin typeface="Century Gothic"/>
-                <a:ea typeface="Century Gothic"/>
-                <a:cs typeface="Century Gothic"/>
-                <a:sym typeface="Century Gothic"/>
+                <a:latin typeface="Century Gothic" panose="020B0502020202020204"/>
+                <a:ea typeface="Century Gothic" panose="020B0502020202020204"/>
+                <a:cs typeface="Century Gothic" panose="020B0502020202020204"/>
+                <a:sym typeface="Century Gothic" panose="020B0502020202020204"/>
               </a:defRPr>
             </a:lvl4pPr>
             <a:lvl5pPr marR="0" lvl="4" algn="l" rtl="0">
@@ -15202,10 +15039,10 @@
                 <a:solidFill>
                   <a:schemeClr val="lt1"/>
                 </a:solidFill>
-                <a:latin typeface="Century Gothic"/>
-                <a:ea typeface="Century Gothic"/>
-                <a:cs typeface="Century Gothic"/>
-                <a:sym typeface="Century Gothic"/>
+                <a:latin typeface="Century Gothic" panose="020B0502020202020204"/>
+                <a:ea typeface="Century Gothic" panose="020B0502020202020204"/>
+                <a:cs typeface="Century Gothic" panose="020B0502020202020204"/>
+                <a:sym typeface="Century Gothic" panose="020B0502020202020204"/>
               </a:defRPr>
             </a:lvl5pPr>
             <a:lvl6pPr marR="0" lvl="5" algn="l" rtl="0">
@@ -15221,10 +15058,10 @@
                 <a:solidFill>
                   <a:schemeClr val="lt1"/>
                 </a:solidFill>
-                <a:latin typeface="Century Gothic"/>
-                <a:ea typeface="Century Gothic"/>
-                <a:cs typeface="Century Gothic"/>
-                <a:sym typeface="Century Gothic"/>
+                <a:latin typeface="Century Gothic" panose="020B0502020202020204"/>
+                <a:ea typeface="Century Gothic" panose="020B0502020202020204"/>
+                <a:cs typeface="Century Gothic" panose="020B0502020202020204"/>
+                <a:sym typeface="Century Gothic" panose="020B0502020202020204"/>
               </a:defRPr>
             </a:lvl6pPr>
             <a:lvl7pPr marR="0" lvl="6" algn="l" rtl="0">
@@ -15240,10 +15077,10 @@
                 <a:solidFill>
                   <a:schemeClr val="lt1"/>
                 </a:solidFill>
-                <a:latin typeface="Century Gothic"/>
-                <a:ea typeface="Century Gothic"/>
-                <a:cs typeface="Century Gothic"/>
-                <a:sym typeface="Century Gothic"/>
+                <a:latin typeface="Century Gothic" panose="020B0502020202020204"/>
+                <a:ea typeface="Century Gothic" panose="020B0502020202020204"/>
+                <a:cs typeface="Century Gothic" panose="020B0502020202020204"/>
+                <a:sym typeface="Century Gothic" panose="020B0502020202020204"/>
               </a:defRPr>
             </a:lvl7pPr>
             <a:lvl8pPr marR="0" lvl="7" algn="l" rtl="0">
@@ -15259,10 +15096,10 @@
                 <a:solidFill>
                   <a:schemeClr val="lt1"/>
                 </a:solidFill>
-                <a:latin typeface="Century Gothic"/>
-                <a:ea typeface="Century Gothic"/>
-                <a:cs typeface="Century Gothic"/>
-                <a:sym typeface="Century Gothic"/>
+                <a:latin typeface="Century Gothic" panose="020B0502020202020204"/>
+                <a:ea typeface="Century Gothic" panose="020B0502020202020204"/>
+                <a:cs typeface="Century Gothic" panose="020B0502020202020204"/>
+                <a:sym typeface="Century Gothic" panose="020B0502020202020204"/>
               </a:defRPr>
             </a:lvl8pPr>
             <a:lvl9pPr marR="0" lvl="8" algn="l" rtl="0">
@@ -15278,16 +15115,14 @@
                 <a:solidFill>
                   <a:schemeClr val="lt1"/>
                 </a:solidFill>
-                <a:latin typeface="Century Gothic"/>
-                <a:ea typeface="Century Gothic"/>
-                <a:cs typeface="Century Gothic"/>
-                <a:sym typeface="Century Gothic"/>
+                <a:latin typeface="Century Gothic" panose="020B0502020202020204"/>
+                <a:ea typeface="Century Gothic" panose="020B0502020202020204"/>
+                <a:cs typeface="Century Gothic" panose="020B0502020202020204"/>
+                <a:sym typeface="Century Gothic" panose="020B0502020202020204"/>
               </a:defRPr>
             </a:lvl9pPr>
           </a:lstStyle>
-          <a:p>
-            <a:endParaRPr/>
-          </a:p>
+          <a:p/>
         </p:txBody>
       </p:sp>
       <p:sp>
@@ -15331,10 +15166,10 @@
                 <a:solidFill>
                   <a:schemeClr val="dk2"/>
                 </a:solidFill>
-                <a:latin typeface="Century Gothic"/>
-                <a:ea typeface="Century Gothic"/>
-                <a:cs typeface="Century Gothic"/>
-                <a:sym typeface="Century Gothic"/>
+                <a:latin typeface="Century Gothic" panose="020B0502020202020204"/>
+                <a:ea typeface="Century Gothic" panose="020B0502020202020204"/>
+                <a:cs typeface="Century Gothic" panose="020B0502020202020204"/>
+                <a:sym typeface="Century Gothic" panose="020B0502020202020204"/>
               </a:defRPr>
             </a:lvl1pPr>
             <a:lvl2pPr marR="0" lvl="1" algn="l" rtl="0">
@@ -15350,10 +15185,10 @@
                 <a:solidFill>
                   <a:schemeClr val="lt1"/>
                 </a:solidFill>
-                <a:latin typeface="Century Gothic"/>
-                <a:ea typeface="Century Gothic"/>
-                <a:cs typeface="Century Gothic"/>
-                <a:sym typeface="Century Gothic"/>
+                <a:latin typeface="Century Gothic" panose="020B0502020202020204"/>
+                <a:ea typeface="Century Gothic" panose="020B0502020202020204"/>
+                <a:cs typeface="Century Gothic" panose="020B0502020202020204"/>
+                <a:sym typeface="Century Gothic" panose="020B0502020202020204"/>
               </a:defRPr>
             </a:lvl2pPr>
             <a:lvl3pPr marR="0" lvl="2" algn="l" rtl="0">
@@ -15369,10 +15204,10 @@
                 <a:solidFill>
                   <a:schemeClr val="lt1"/>
                 </a:solidFill>
-                <a:latin typeface="Century Gothic"/>
-                <a:ea typeface="Century Gothic"/>
-                <a:cs typeface="Century Gothic"/>
-                <a:sym typeface="Century Gothic"/>
+                <a:latin typeface="Century Gothic" panose="020B0502020202020204"/>
+                <a:ea typeface="Century Gothic" panose="020B0502020202020204"/>
+                <a:cs typeface="Century Gothic" panose="020B0502020202020204"/>
+                <a:sym typeface="Century Gothic" panose="020B0502020202020204"/>
               </a:defRPr>
             </a:lvl3pPr>
             <a:lvl4pPr marR="0" lvl="3" algn="l" rtl="0">
@@ -15388,10 +15223,10 @@
                 <a:solidFill>
                   <a:schemeClr val="lt1"/>
                 </a:solidFill>
-                <a:latin typeface="Century Gothic"/>
-                <a:ea typeface="Century Gothic"/>
-                <a:cs typeface="Century Gothic"/>
-                <a:sym typeface="Century Gothic"/>
+                <a:latin typeface="Century Gothic" panose="020B0502020202020204"/>
+                <a:ea typeface="Century Gothic" panose="020B0502020202020204"/>
+                <a:cs typeface="Century Gothic" panose="020B0502020202020204"/>
+                <a:sym typeface="Century Gothic" panose="020B0502020202020204"/>
               </a:defRPr>
             </a:lvl4pPr>
             <a:lvl5pPr marR="0" lvl="4" algn="l" rtl="0">
@@ -15407,10 +15242,10 @@
                 <a:solidFill>
                   <a:schemeClr val="lt1"/>
                 </a:solidFill>
-                <a:latin typeface="Century Gothic"/>
-                <a:ea typeface="Century Gothic"/>
-                <a:cs typeface="Century Gothic"/>
-                <a:sym typeface="Century Gothic"/>
+                <a:latin typeface="Century Gothic" panose="020B0502020202020204"/>
+                <a:ea typeface="Century Gothic" panose="020B0502020202020204"/>
+                <a:cs typeface="Century Gothic" panose="020B0502020202020204"/>
+                <a:sym typeface="Century Gothic" panose="020B0502020202020204"/>
               </a:defRPr>
             </a:lvl5pPr>
             <a:lvl6pPr marR="0" lvl="5" algn="l" rtl="0">
@@ -15426,10 +15261,10 @@
                 <a:solidFill>
                   <a:schemeClr val="lt1"/>
                 </a:solidFill>
-                <a:latin typeface="Century Gothic"/>
-                <a:ea typeface="Century Gothic"/>
-                <a:cs typeface="Century Gothic"/>
-                <a:sym typeface="Century Gothic"/>
+                <a:latin typeface="Century Gothic" panose="020B0502020202020204"/>
+                <a:ea typeface="Century Gothic" panose="020B0502020202020204"/>
+                <a:cs typeface="Century Gothic" panose="020B0502020202020204"/>
+                <a:sym typeface="Century Gothic" panose="020B0502020202020204"/>
               </a:defRPr>
             </a:lvl6pPr>
             <a:lvl7pPr marR="0" lvl="6" algn="l" rtl="0">
@@ -15445,10 +15280,10 @@
                 <a:solidFill>
                   <a:schemeClr val="lt1"/>
                 </a:solidFill>
-                <a:latin typeface="Century Gothic"/>
-                <a:ea typeface="Century Gothic"/>
-                <a:cs typeface="Century Gothic"/>
-                <a:sym typeface="Century Gothic"/>
+                <a:latin typeface="Century Gothic" panose="020B0502020202020204"/>
+                <a:ea typeface="Century Gothic" panose="020B0502020202020204"/>
+                <a:cs typeface="Century Gothic" panose="020B0502020202020204"/>
+                <a:sym typeface="Century Gothic" panose="020B0502020202020204"/>
               </a:defRPr>
             </a:lvl7pPr>
             <a:lvl8pPr marR="0" lvl="7" algn="l" rtl="0">
@@ -15464,10 +15299,10 @@
                 <a:solidFill>
                   <a:schemeClr val="lt1"/>
                 </a:solidFill>
-                <a:latin typeface="Century Gothic"/>
-                <a:ea typeface="Century Gothic"/>
-                <a:cs typeface="Century Gothic"/>
-                <a:sym typeface="Century Gothic"/>
+                <a:latin typeface="Century Gothic" panose="020B0502020202020204"/>
+                <a:ea typeface="Century Gothic" panose="020B0502020202020204"/>
+                <a:cs typeface="Century Gothic" panose="020B0502020202020204"/>
+                <a:sym typeface="Century Gothic" panose="020B0502020202020204"/>
               </a:defRPr>
             </a:lvl8pPr>
             <a:lvl9pPr marR="0" lvl="8" algn="l" rtl="0">
@@ -15483,16 +15318,14 @@
                 <a:solidFill>
                   <a:schemeClr val="lt1"/>
                 </a:solidFill>
-                <a:latin typeface="Century Gothic"/>
-                <a:ea typeface="Century Gothic"/>
-                <a:cs typeface="Century Gothic"/>
-                <a:sym typeface="Century Gothic"/>
+                <a:latin typeface="Century Gothic" panose="020B0502020202020204"/>
+                <a:ea typeface="Century Gothic" panose="020B0502020202020204"/>
+                <a:cs typeface="Century Gothic" panose="020B0502020202020204"/>
+                <a:sym typeface="Century Gothic" panose="020B0502020202020204"/>
               </a:defRPr>
             </a:lvl9pPr>
           </a:lstStyle>
-          <a:p>
-            <a:endParaRPr/>
-          </a:p>
+          <a:p/>
         </p:txBody>
       </p:sp>
       <p:sp>
@@ -15532,10 +15365,10 @@
                 <a:solidFill>
                   <a:schemeClr val="dk2"/>
                 </a:solidFill>
-                <a:latin typeface="Century Gothic"/>
-                <a:ea typeface="Century Gothic"/>
-                <a:cs typeface="Century Gothic"/>
-                <a:sym typeface="Century Gothic"/>
+                <a:latin typeface="Century Gothic" panose="020B0502020202020204"/>
+                <a:ea typeface="Century Gothic" panose="020B0502020202020204"/>
+                <a:cs typeface="Century Gothic" panose="020B0502020202020204"/>
+                <a:sym typeface="Century Gothic" panose="020B0502020202020204"/>
               </a:defRPr>
             </a:lvl1pPr>
             <a:lvl2pPr marL="0" marR="0" lvl="1" indent="0" algn="r" rtl="0">
@@ -15547,10 +15380,10 @@
                 <a:solidFill>
                   <a:schemeClr val="dk2"/>
                 </a:solidFill>
-                <a:latin typeface="Century Gothic"/>
-                <a:ea typeface="Century Gothic"/>
-                <a:cs typeface="Century Gothic"/>
-                <a:sym typeface="Century Gothic"/>
+                <a:latin typeface="Century Gothic" panose="020B0502020202020204"/>
+                <a:ea typeface="Century Gothic" panose="020B0502020202020204"/>
+                <a:cs typeface="Century Gothic" panose="020B0502020202020204"/>
+                <a:sym typeface="Century Gothic" panose="020B0502020202020204"/>
               </a:defRPr>
             </a:lvl2pPr>
             <a:lvl3pPr marL="0" marR="0" lvl="2" indent="0" algn="r" rtl="0">
@@ -15562,10 +15395,10 @@
                 <a:solidFill>
                   <a:schemeClr val="dk2"/>
                 </a:solidFill>
-                <a:latin typeface="Century Gothic"/>
-                <a:ea typeface="Century Gothic"/>
-                <a:cs typeface="Century Gothic"/>
-                <a:sym typeface="Century Gothic"/>
+                <a:latin typeface="Century Gothic" panose="020B0502020202020204"/>
+                <a:ea typeface="Century Gothic" panose="020B0502020202020204"/>
+                <a:cs typeface="Century Gothic" panose="020B0502020202020204"/>
+                <a:sym typeface="Century Gothic" panose="020B0502020202020204"/>
               </a:defRPr>
             </a:lvl3pPr>
             <a:lvl4pPr marL="0" marR="0" lvl="3" indent="0" algn="r" rtl="0">
@@ -15577,10 +15410,10 @@
                 <a:solidFill>
                   <a:schemeClr val="dk2"/>
                 </a:solidFill>
-                <a:latin typeface="Century Gothic"/>
-                <a:ea typeface="Century Gothic"/>
-                <a:cs typeface="Century Gothic"/>
-                <a:sym typeface="Century Gothic"/>
+                <a:latin typeface="Century Gothic" panose="020B0502020202020204"/>
+                <a:ea typeface="Century Gothic" panose="020B0502020202020204"/>
+                <a:cs typeface="Century Gothic" panose="020B0502020202020204"/>
+                <a:sym typeface="Century Gothic" panose="020B0502020202020204"/>
               </a:defRPr>
             </a:lvl4pPr>
             <a:lvl5pPr marL="0" marR="0" lvl="4" indent="0" algn="r" rtl="0">
@@ -15592,10 +15425,10 @@
                 <a:solidFill>
                   <a:schemeClr val="dk2"/>
                 </a:solidFill>
-                <a:latin typeface="Century Gothic"/>
-                <a:ea typeface="Century Gothic"/>
-                <a:cs typeface="Century Gothic"/>
-                <a:sym typeface="Century Gothic"/>
+                <a:latin typeface="Century Gothic" panose="020B0502020202020204"/>
+                <a:ea typeface="Century Gothic" panose="020B0502020202020204"/>
+                <a:cs typeface="Century Gothic" panose="020B0502020202020204"/>
+                <a:sym typeface="Century Gothic" panose="020B0502020202020204"/>
               </a:defRPr>
             </a:lvl5pPr>
             <a:lvl6pPr marL="0" marR="0" lvl="5" indent="0" algn="r" rtl="0">
@@ -15607,10 +15440,10 @@
                 <a:solidFill>
                   <a:schemeClr val="dk2"/>
                 </a:solidFill>
-                <a:latin typeface="Century Gothic"/>
-                <a:ea typeface="Century Gothic"/>
-                <a:cs typeface="Century Gothic"/>
-                <a:sym typeface="Century Gothic"/>
+                <a:latin typeface="Century Gothic" panose="020B0502020202020204"/>
+                <a:ea typeface="Century Gothic" panose="020B0502020202020204"/>
+                <a:cs typeface="Century Gothic" panose="020B0502020202020204"/>
+                <a:sym typeface="Century Gothic" panose="020B0502020202020204"/>
               </a:defRPr>
             </a:lvl6pPr>
             <a:lvl7pPr marL="0" marR="0" lvl="6" indent="0" algn="r" rtl="0">
@@ -15622,10 +15455,10 @@
                 <a:solidFill>
                   <a:schemeClr val="dk2"/>
                 </a:solidFill>
-                <a:latin typeface="Century Gothic"/>
-                <a:ea typeface="Century Gothic"/>
-                <a:cs typeface="Century Gothic"/>
-                <a:sym typeface="Century Gothic"/>
+                <a:latin typeface="Century Gothic" panose="020B0502020202020204"/>
+                <a:ea typeface="Century Gothic" panose="020B0502020202020204"/>
+                <a:cs typeface="Century Gothic" panose="020B0502020202020204"/>
+                <a:sym typeface="Century Gothic" panose="020B0502020202020204"/>
               </a:defRPr>
             </a:lvl7pPr>
             <a:lvl8pPr marL="0" marR="0" lvl="7" indent="0" algn="r" rtl="0">
@@ -15637,10 +15470,10 @@
                 <a:solidFill>
                   <a:schemeClr val="dk2"/>
                 </a:solidFill>
-                <a:latin typeface="Century Gothic"/>
-                <a:ea typeface="Century Gothic"/>
-                <a:cs typeface="Century Gothic"/>
-                <a:sym typeface="Century Gothic"/>
+                <a:latin typeface="Century Gothic" panose="020B0502020202020204"/>
+                <a:ea typeface="Century Gothic" panose="020B0502020202020204"/>
+                <a:cs typeface="Century Gothic" panose="020B0502020202020204"/>
+                <a:sym typeface="Century Gothic" panose="020B0502020202020204"/>
               </a:defRPr>
             </a:lvl8pPr>
             <a:lvl9pPr marL="0" marR="0" lvl="8" indent="0" algn="r" rtl="0">
@@ -15652,10 +15485,10 @@
                 <a:solidFill>
                   <a:schemeClr val="dk2"/>
                 </a:solidFill>
-                <a:latin typeface="Century Gothic"/>
-                <a:ea typeface="Century Gothic"/>
-                <a:cs typeface="Century Gothic"/>
-                <a:sym typeface="Century Gothic"/>
+                <a:latin typeface="Century Gothic" panose="020B0502020202020204"/>
+                <a:ea typeface="Century Gothic" panose="020B0502020202020204"/>
+                <a:cs typeface="Century Gothic" panose="020B0502020202020204"/>
+                <a:sym typeface="Century Gothic" panose="020B0502020202020204"/>
               </a:defRPr>
             </a:lvl9pPr>
           </a:lstStyle>
@@ -15671,9 +15504,8 @@
             </a:pPr>
             <a:fld id="{00000000-1234-1234-1234-123412341234}" type="slidenum">
               <a:rPr lang="en-US"/>
-              <a:t>‹#›</a:t>
             </a:fld>
-            <a:endParaRPr/>
+            <a:endParaRPr lang="en-US"/>
           </a:p>
         </p:txBody>
       </p:sp>
@@ -15726,15 +15558,15 @@
         <a:buClr>
           <a:srgbClr val="000000"/>
         </a:buClr>
-        <a:buFont typeface="Arial"/>
+        <a:buFont typeface="Arial" panose="020B0604020202020204"/>
         <a:defRPr sz="1400" b="0" i="0" u="none" strike="noStrike" cap="none">
           <a:solidFill>
             <a:srgbClr val="000000"/>
           </a:solidFill>
-          <a:latin typeface="Arial"/>
-          <a:ea typeface="Arial"/>
-          <a:cs typeface="Arial"/>
-          <a:sym typeface="Arial"/>
+          <a:latin typeface="Arial" panose="020B0604020202020204"/>
+          <a:ea typeface="Arial" panose="020B0604020202020204"/>
+          <a:cs typeface="Arial" panose="020B0604020202020204"/>
+          <a:sym typeface="Arial" panose="020B0604020202020204"/>
         </a:defRPr>
       </a:lvl1pPr>
       <a:lvl2pPr marR="0" lvl="1" algn="l" rtl="0">
@@ -15750,15 +15582,15 @@
         <a:buClr>
           <a:srgbClr val="000000"/>
         </a:buClr>
-        <a:buFont typeface="Arial"/>
+        <a:buFont typeface="Arial" panose="020B0604020202020204"/>
         <a:defRPr sz="1400" b="0" i="0" u="none" strike="noStrike" cap="none">
           <a:solidFill>
             <a:srgbClr val="000000"/>
           </a:solidFill>
-          <a:latin typeface="Arial"/>
-          <a:ea typeface="Arial"/>
-          <a:cs typeface="Arial"/>
-          <a:sym typeface="Arial"/>
+          <a:latin typeface="Arial" panose="020B0604020202020204"/>
+          <a:ea typeface="Arial" panose="020B0604020202020204"/>
+          <a:cs typeface="Arial" panose="020B0604020202020204"/>
+          <a:sym typeface="Arial" panose="020B0604020202020204"/>
         </a:defRPr>
       </a:lvl2pPr>
       <a:lvl3pPr marR="0" lvl="2" algn="l" rtl="0">
@@ -15774,15 +15606,15 @@
         <a:buClr>
           <a:srgbClr val="000000"/>
         </a:buClr>
-        <a:buFont typeface="Arial"/>
+        <a:buFont typeface="Arial" panose="020B0604020202020204"/>
         <a:defRPr sz="1400" b="0" i="0" u="none" strike="noStrike" cap="none">
           <a:solidFill>
             <a:srgbClr val="000000"/>
           </a:solidFill>
-          <a:latin typeface="Arial"/>
-          <a:ea typeface="Arial"/>
-          <a:cs typeface="Arial"/>
-          <a:sym typeface="Arial"/>
+          <a:latin typeface="Arial" panose="020B0604020202020204"/>
+          <a:ea typeface="Arial" panose="020B0604020202020204"/>
+          <a:cs typeface="Arial" panose="020B0604020202020204"/>
+          <a:sym typeface="Arial" panose="020B0604020202020204"/>
         </a:defRPr>
       </a:lvl3pPr>
       <a:lvl4pPr marR="0" lvl="3" algn="l" rtl="0">
@@ -15798,15 +15630,15 @@
         <a:buClr>
           <a:srgbClr val="000000"/>
         </a:buClr>
-        <a:buFont typeface="Arial"/>
+        <a:buFont typeface="Arial" panose="020B0604020202020204"/>
         <a:defRPr sz="1400" b="0" i="0" u="none" strike="noStrike" cap="none">
           <a:solidFill>
             <a:srgbClr val="000000"/>
           </a:solidFill>
-          <a:latin typeface="Arial"/>
-          <a:ea typeface="Arial"/>
-          <a:cs typeface="Arial"/>
-          <a:sym typeface="Arial"/>
+          <a:latin typeface="Arial" panose="020B0604020202020204"/>
+          <a:ea typeface="Arial" panose="020B0604020202020204"/>
+          <a:cs typeface="Arial" panose="020B0604020202020204"/>
+          <a:sym typeface="Arial" panose="020B0604020202020204"/>
         </a:defRPr>
       </a:lvl4pPr>
       <a:lvl5pPr marR="0" lvl="4" algn="l" rtl="0">
@@ -15822,15 +15654,15 @@
         <a:buClr>
           <a:srgbClr val="000000"/>
         </a:buClr>
-        <a:buFont typeface="Arial"/>
+        <a:buFont typeface="Arial" panose="020B0604020202020204"/>
         <a:defRPr sz="1400" b="0" i="0" u="none" strike="noStrike" cap="none">
           <a:solidFill>
             <a:srgbClr val="000000"/>
           </a:solidFill>
-          <a:latin typeface="Arial"/>
-          <a:ea typeface="Arial"/>
-          <a:cs typeface="Arial"/>
-          <a:sym typeface="Arial"/>
+          <a:latin typeface="Arial" panose="020B0604020202020204"/>
+          <a:ea typeface="Arial" panose="020B0604020202020204"/>
+          <a:cs typeface="Arial" panose="020B0604020202020204"/>
+          <a:sym typeface="Arial" panose="020B0604020202020204"/>
         </a:defRPr>
       </a:lvl5pPr>
       <a:lvl6pPr marR="0" lvl="5" algn="l" rtl="0">
@@ -15846,15 +15678,15 @@
         <a:buClr>
           <a:srgbClr val="000000"/>
         </a:buClr>
-        <a:buFont typeface="Arial"/>
+        <a:buFont typeface="Arial" panose="020B0604020202020204"/>
         <a:defRPr sz="1400" b="0" i="0" u="none" strike="noStrike" cap="none">
           <a:solidFill>
             <a:srgbClr val="000000"/>
           </a:solidFill>
-          <a:latin typeface="Arial"/>
-          <a:ea typeface="Arial"/>
-          <a:cs typeface="Arial"/>
-          <a:sym typeface="Arial"/>
+          <a:latin typeface="Arial" panose="020B0604020202020204"/>
+          <a:ea typeface="Arial" panose="020B0604020202020204"/>
+          <a:cs typeface="Arial" panose="020B0604020202020204"/>
+          <a:sym typeface="Arial" panose="020B0604020202020204"/>
         </a:defRPr>
       </a:lvl6pPr>
       <a:lvl7pPr marR="0" lvl="6" algn="l" rtl="0">
@@ -15870,15 +15702,15 @@
         <a:buClr>
           <a:srgbClr val="000000"/>
         </a:buClr>
-        <a:buFont typeface="Arial"/>
+        <a:buFont typeface="Arial" panose="020B0604020202020204"/>
         <a:defRPr sz="1400" b="0" i="0" u="none" strike="noStrike" cap="none">
           <a:solidFill>
             <a:srgbClr val="000000"/>
           </a:solidFill>
-          <a:latin typeface="Arial"/>
-          <a:ea typeface="Arial"/>
-          <a:cs typeface="Arial"/>
-          <a:sym typeface="Arial"/>
+          <a:latin typeface="Arial" panose="020B0604020202020204"/>
+          <a:ea typeface="Arial" panose="020B0604020202020204"/>
+          <a:cs typeface="Arial" panose="020B0604020202020204"/>
+          <a:sym typeface="Arial" panose="020B0604020202020204"/>
         </a:defRPr>
       </a:lvl7pPr>
       <a:lvl8pPr marR="0" lvl="7" algn="l" rtl="0">
@@ -15894,15 +15726,15 @@
         <a:buClr>
           <a:srgbClr val="000000"/>
         </a:buClr>
-        <a:buFont typeface="Arial"/>
+        <a:buFont typeface="Arial" panose="020B0604020202020204"/>
         <a:defRPr sz="1400" b="0" i="0" u="none" strike="noStrike" cap="none">
           <a:solidFill>
             <a:srgbClr val="000000"/>
           </a:solidFill>
-          <a:latin typeface="Arial"/>
-          <a:ea typeface="Arial"/>
-          <a:cs typeface="Arial"/>
-          <a:sym typeface="Arial"/>
+          <a:latin typeface="Arial" panose="020B0604020202020204"/>
+          <a:ea typeface="Arial" panose="020B0604020202020204"/>
+          <a:cs typeface="Arial" panose="020B0604020202020204"/>
+          <a:sym typeface="Arial" panose="020B0604020202020204"/>
         </a:defRPr>
       </a:lvl8pPr>
       <a:lvl9pPr marR="0" lvl="8" algn="l" rtl="0">
@@ -15918,15 +15750,15 @@
         <a:buClr>
           <a:srgbClr val="000000"/>
         </a:buClr>
-        <a:buFont typeface="Arial"/>
+        <a:buFont typeface="Arial" panose="020B0604020202020204"/>
         <a:defRPr sz="1400" b="0" i="0" u="none" strike="noStrike" cap="none">
           <a:solidFill>
             <a:srgbClr val="000000"/>
           </a:solidFill>
-          <a:latin typeface="Arial"/>
-          <a:ea typeface="Arial"/>
-          <a:cs typeface="Arial"/>
-          <a:sym typeface="Arial"/>
+          <a:latin typeface="Arial" panose="020B0604020202020204"/>
+          <a:ea typeface="Arial" panose="020B0604020202020204"/>
+          <a:cs typeface="Arial" panose="020B0604020202020204"/>
+          <a:sym typeface="Arial" panose="020B0604020202020204"/>
         </a:defRPr>
       </a:lvl9pPr>
     </p:titleStyle>
@@ -15955,15 +15787,15 @@
         <a:buClr>
           <a:srgbClr val="000000"/>
         </a:buClr>
-        <a:buFont typeface="Arial"/>
+        <a:buFont typeface="Arial" panose="020B0604020202020204"/>
         <a:defRPr sz="1400" b="0" i="0" u="none" strike="noStrike" cap="none">
           <a:solidFill>
             <a:srgbClr val="000000"/>
           </a:solidFill>
-          <a:latin typeface="Arial"/>
-          <a:ea typeface="Arial"/>
-          <a:cs typeface="Arial"/>
-          <a:sym typeface="Arial"/>
+          <a:latin typeface="Arial" panose="020B0604020202020204"/>
+          <a:ea typeface="Arial" panose="020B0604020202020204"/>
+          <a:cs typeface="Arial" panose="020B0604020202020204"/>
+          <a:sym typeface="Arial" panose="020B0604020202020204"/>
         </a:defRPr>
       </a:lvl1pPr>
       <a:lvl2pPr marR="0" lvl="1" algn="l" rtl="0">
@@ -15979,15 +15811,15 @@
         <a:buClr>
           <a:srgbClr val="000000"/>
         </a:buClr>
-        <a:buFont typeface="Arial"/>
+        <a:buFont typeface="Arial" panose="020B0604020202020204"/>
         <a:defRPr sz="1400" b="0" i="0" u="none" strike="noStrike" cap="none">
           <a:solidFill>
             <a:srgbClr val="000000"/>
           </a:solidFill>
-          <a:latin typeface="Arial"/>
-          <a:ea typeface="Arial"/>
-          <a:cs typeface="Arial"/>
-          <a:sym typeface="Arial"/>
+          <a:latin typeface="Arial" panose="020B0604020202020204"/>
+          <a:ea typeface="Arial" panose="020B0604020202020204"/>
+          <a:cs typeface="Arial" panose="020B0604020202020204"/>
+          <a:sym typeface="Arial" panose="020B0604020202020204"/>
         </a:defRPr>
       </a:lvl2pPr>
       <a:lvl3pPr marR="0" lvl="2" algn="l" rtl="0">
@@ -16003,15 +15835,15 @@
         <a:buClr>
           <a:srgbClr val="000000"/>
         </a:buClr>
-        <a:buFont typeface="Arial"/>
+        <a:buFont typeface="Arial" panose="020B0604020202020204"/>
         <a:defRPr sz="1400" b="0" i="0" u="none" strike="noStrike" cap="none">
           <a:solidFill>
             <a:srgbClr val="000000"/>
           </a:solidFill>
-          <a:latin typeface="Arial"/>
-          <a:ea typeface="Arial"/>
-          <a:cs typeface="Arial"/>
-          <a:sym typeface="Arial"/>
+          <a:latin typeface="Arial" panose="020B0604020202020204"/>
+          <a:ea typeface="Arial" panose="020B0604020202020204"/>
+          <a:cs typeface="Arial" panose="020B0604020202020204"/>
+          <a:sym typeface="Arial" panose="020B0604020202020204"/>
         </a:defRPr>
       </a:lvl3pPr>
       <a:lvl4pPr marR="0" lvl="3" algn="l" rtl="0">
@@ -16027,15 +15859,15 @@
         <a:buClr>
           <a:srgbClr val="000000"/>
         </a:buClr>
-        <a:buFont typeface="Arial"/>
+        <a:buFont typeface="Arial" panose="020B0604020202020204"/>
         <a:defRPr sz="1400" b="0" i="0" u="none" strike="noStrike" cap="none">
           <a:solidFill>
             <a:srgbClr val="000000"/>
           </a:solidFill>
-          <a:latin typeface="Arial"/>
-          <a:ea typeface="Arial"/>
-          <a:cs typeface="Arial"/>
-          <a:sym typeface="Arial"/>
+          <a:latin typeface="Arial" panose="020B0604020202020204"/>
+          <a:ea typeface="Arial" panose="020B0604020202020204"/>
+          <a:cs typeface="Arial" panose="020B0604020202020204"/>
+          <a:sym typeface="Arial" panose="020B0604020202020204"/>
         </a:defRPr>
       </a:lvl4pPr>
       <a:lvl5pPr marR="0" lvl="4" algn="l" rtl="0">
@@ -16051,15 +15883,15 @@
         <a:buClr>
           <a:srgbClr val="000000"/>
         </a:buClr>
-        <a:buFont typeface="Arial"/>
+        <a:buFont typeface="Arial" panose="020B0604020202020204"/>
         <a:defRPr sz="1400" b="0" i="0" u="none" strike="noStrike" cap="none">
           <a:solidFill>
             <a:srgbClr val="000000"/>
           </a:solidFill>
-          <a:latin typeface="Arial"/>
-          <a:ea typeface="Arial"/>
-          <a:cs typeface="Arial"/>
-          <a:sym typeface="Arial"/>
+          <a:latin typeface="Arial" panose="020B0604020202020204"/>
+          <a:ea typeface="Arial" panose="020B0604020202020204"/>
+          <a:cs typeface="Arial" panose="020B0604020202020204"/>
+          <a:sym typeface="Arial" panose="020B0604020202020204"/>
         </a:defRPr>
       </a:lvl5pPr>
       <a:lvl6pPr marR="0" lvl="5" algn="l" rtl="0">
@@ -16075,15 +15907,15 @@
         <a:buClr>
           <a:srgbClr val="000000"/>
         </a:buClr>
-        <a:buFont typeface="Arial"/>
+        <a:buFont typeface="Arial" panose="020B0604020202020204"/>
         <a:defRPr sz="1400" b="0" i="0" u="none" strike="noStrike" cap="none">
           <a:solidFill>
             <a:srgbClr val="000000"/>
           </a:solidFill>
-          <a:latin typeface="Arial"/>
-          <a:ea typeface="Arial"/>
-          <a:cs typeface="Arial"/>
-          <a:sym typeface="Arial"/>
+          <a:latin typeface="Arial" panose="020B0604020202020204"/>
+          <a:ea typeface="Arial" panose="020B0604020202020204"/>
+          <a:cs typeface="Arial" panose="020B0604020202020204"/>
+          <a:sym typeface="Arial" panose="020B0604020202020204"/>
         </a:defRPr>
       </a:lvl6pPr>
       <a:lvl7pPr marR="0" lvl="6" algn="l" rtl="0">
@@ -16099,15 +15931,15 @@
         <a:buClr>
           <a:srgbClr val="000000"/>
         </a:buClr>
-        <a:buFont typeface="Arial"/>
+        <a:buFont typeface="Arial" panose="020B0604020202020204"/>
         <a:defRPr sz="1400" b="0" i="0" u="none" strike="noStrike" cap="none">
           <a:solidFill>
             <a:srgbClr val="000000"/>
           </a:solidFill>
-          <a:latin typeface="Arial"/>
-          <a:ea typeface="Arial"/>
-          <a:cs typeface="Arial"/>
-          <a:sym typeface="Arial"/>
+          <a:latin typeface="Arial" panose="020B0604020202020204"/>
+          <a:ea typeface="Arial" panose="020B0604020202020204"/>
+          <a:cs typeface="Arial" panose="020B0604020202020204"/>
+          <a:sym typeface="Arial" panose="020B0604020202020204"/>
         </a:defRPr>
       </a:lvl7pPr>
       <a:lvl8pPr marR="0" lvl="7" algn="l" rtl="0">
@@ -16123,15 +15955,15 @@
         <a:buClr>
           <a:srgbClr val="000000"/>
         </a:buClr>
-        <a:buFont typeface="Arial"/>
+        <a:buFont typeface="Arial" panose="020B0604020202020204"/>
         <a:defRPr sz="1400" b="0" i="0" u="none" strike="noStrike" cap="none">
           <a:solidFill>
             <a:srgbClr val="000000"/>
           </a:solidFill>
-          <a:latin typeface="Arial"/>
-          <a:ea typeface="Arial"/>
-          <a:cs typeface="Arial"/>
-          <a:sym typeface="Arial"/>
+          <a:latin typeface="Arial" panose="020B0604020202020204"/>
+          <a:ea typeface="Arial" panose="020B0604020202020204"/>
+          <a:cs typeface="Arial" panose="020B0604020202020204"/>
+          <a:sym typeface="Arial" panose="020B0604020202020204"/>
         </a:defRPr>
       </a:lvl8pPr>
       <a:lvl9pPr marR="0" lvl="8" algn="l" rtl="0">
@@ -16147,15 +15979,15 @@
         <a:buClr>
           <a:srgbClr val="000000"/>
         </a:buClr>
-        <a:buFont typeface="Arial"/>
+        <a:buFont typeface="Arial" panose="020B0604020202020204"/>
         <a:defRPr sz="1400" b="0" i="0" u="none" strike="noStrike" cap="none">
           <a:solidFill>
             <a:srgbClr val="000000"/>
           </a:solidFill>
-          <a:latin typeface="Arial"/>
-          <a:ea typeface="Arial"/>
-          <a:cs typeface="Arial"/>
-          <a:sym typeface="Arial"/>
+          <a:latin typeface="Arial" panose="020B0604020202020204"/>
+          <a:ea typeface="Arial" panose="020B0604020202020204"/>
+          <a:cs typeface="Arial" panose="020B0604020202020204"/>
+          <a:sym typeface="Arial" panose="020B0604020202020204"/>
         </a:defRPr>
       </a:lvl9pPr>
     </p:bodyStyle>
@@ -16184,15 +16016,15 @@
         <a:buClr>
           <a:srgbClr val="000000"/>
         </a:buClr>
-        <a:buFont typeface="Arial"/>
+        <a:buFont typeface="Arial" panose="020B0604020202020204"/>
         <a:defRPr sz="1400" b="0" i="0" u="none" strike="noStrike" cap="none">
           <a:solidFill>
             <a:srgbClr val="000000"/>
           </a:solidFill>
-          <a:latin typeface="Arial"/>
-          <a:ea typeface="Arial"/>
-          <a:cs typeface="Arial"/>
-          <a:sym typeface="Arial"/>
+          <a:latin typeface="Arial" panose="020B0604020202020204"/>
+          <a:ea typeface="Arial" panose="020B0604020202020204"/>
+          <a:cs typeface="Arial" panose="020B0604020202020204"/>
+          <a:sym typeface="Arial" panose="020B0604020202020204"/>
         </a:defRPr>
       </a:lvl1pPr>
       <a:lvl2pPr marR="0" lvl="1" algn="l" rtl="0">
@@ -16208,15 +16040,15 @@
         <a:buClr>
           <a:srgbClr val="000000"/>
         </a:buClr>
-        <a:buFont typeface="Arial"/>
+        <a:buFont typeface="Arial" panose="020B0604020202020204"/>
         <a:defRPr sz="1400" b="0" i="0" u="none" strike="noStrike" cap="none">
           <a:solidFill>
             <a:srgbClr val="000000"/>
           </a:solidFill>
-          <a:latin typeface="Arial"/>
-          <a:ea typeface="Arial"/>
-          <a:cs typeface="Arial"/>
-          <a:sym typeface="Arial"/>
+          <a:latin typeface="Arial" panose="020B0604020202020204"/>
+          <a:ea typeface="Arial" panose="020B0604020202020204"/>
+          <a:cs typeface="Arial" panose="020B0604020202020204"/>
+          <a:sym typeface="Arial" panose="020B0604020202020204"/>
         </a:defRPr>
       </a:lvl2pPr>
       <a:lvl3pPr marR="0" lvl="2" algn="l" rtl="0">
@@ -16232,15 +16064,15 @@
         <a:buClr>
           <a:srgbClr val="000000"/>
         </a:buClr>
-        <a:buFont typeface="Arial"/>
+        <a:buFont typeface="Arial" panose="020B0604020202020204"/>
         <a:defRPr sz="1400" b="0" i="0" u="none" strike="noStrike" cap="none">
           <a:solidFill>
             <a:srgbClr val="000000"/>
           </a:solidFill>
-          <a:latin typeface="Arial"/>
-          <a:ea typeface="Arial"/>
-          <a:cs typeface="Arial"/>
-          <a:sym typeface="Arial"/>
+          <a:latin typeface="Arial" panose="020B0604020202020204"/>
+          <a:ea typeface="Arial" panose="020B0604020202020204"/>
+          <a:cs typeface="Arial" panose="020B0604020202020204"/>
+          <a:sym typeface="Arial" panose="020B0604020202020204"/>
         </a:defRPr>
       </a:lvl3pPr>
       <a:lvl4pPr marR="0" lvl="3" algn="l" rtl="0">
@@ -16256,15 +16088,15 @@
         <a:buClr>
           <a:srgbClr val="000000"/>
         </a:buClr>
-        <a:buFont typeface="Arial"/>
+        <a:buFont typeface="Arial" panose="020B0604020202020204"/>
         <a:defRPr sz="1400" b="0" i="0" u="none" strike="noStrike" cap="none">
           <a:solidFill>
             <a:srgbClr val="000000"/>
           </a:solidFill>
-          <a:latin typeface="Arial"/>
-          <a:ea typeface="Arial"/>
-          <a:cs typeface="Arial"/>
-          <a:sym typeface="Arial"/>
+          <a:latin typeface="Arial" panose="020B0604020202020204"/>
+          <a:ea typeface="Arial" panose="020B0604020202020204"/>
+          <a:cs typeface="Arial" panose="020B0604020202020204"/>
+          <a:sym typeface="Arial" panose="020B0604020202020204"/>
         </a:defRPr>
       </a:lvl4pPr>
       <a:lvl5pPr marR="0" lvl="4" algn="l" rtl="0">
@@ -16280,15 +16112,15 @@
         <a:buClr>
           <a:srgbClr val="000000"/>
         </a:buClr>
-        <a:buFont typeface="Arial"/>
+        <a:buFont typeface="Arial" panose="020B0604020202020204"/>
         <a:defRPr sz="1400" b="0" i="0" u="none" strike="noStrike" cap="none">
           <a:solidFill>
             <a:srgbClr val="000000"/>
           </a:solidFill>
-          <a:latin typeface="Arial"/>
-          <a:ea typeface="Arial"/>
-          <a:cs typeface="Arial"/>
-          <a:sym typeface="Arial"/>
+          <a:latin typeface="Arial" panose="020B0604020202020204"/>
+          <a:ea typeface="Arial" panose="020B0604020202020204"/>
+          <a:cs typeface="Arial" panose="020B0604020202020204"/>
+          <a:sym typeface="Arial" panose="020B0604020202020204"/>
         </a:defRPr>
       </a:lvl5pPr>
       <a:lvl6pPr marR="0" lvl="5" algn="l" rtl="0">
@@ -16304,15 +16136,15 @@
         <a:buClr>
           <a:srgbClr val="000000"/>
         </a:buClr>
-        <a:buFont typeface="Arial"/>
+        <a:buFont typeface="Arial" panose="020B0604020202020204"/>
         <a:defRPr sz="1400" b="0" i="0" u="none" strike="noStrike" cap="none">
           <a:solidFill>
             <a:srgbClr val="000000"/>
           </a:solidFill>
-          <a:latin typeface="Arial"/>
-          <a:ea typeface="Arial"/>
-          <a:cs typeface="Arial"/>
-          <a:sym typeface="Arial"/>
+          <a:latin typeface="Arial" panose="020B0604020202020204"/>
+          <a:ea typeface="Arial" panose="020B0604020202020204"/>
+          <a:cs typeface="Arial" panose="020B0604020202020204"/>
+          <a:sym typeface="Arial" panose="020B0604020202020204"/>
         </a:defRPr>
       </a:lvl6pPr>
       <a:lvl7pPr marR="0" lvl="6" algn="l" rtl="0">
@@ -16328,15 +16160,15 @@
         <a:buClr>
           <a:srgbClr val="000000"/>
         </a:buClr>
-        <a:buFont typeface="Arial"/>
+        <a:buFont typeface="Arial" panose="020B0604020202020204"/>
         <a:defRPr sz="1400" b="0" i="0" u="none" strike="noStrike" cap="none">
           <a:solidFill>
             <a:srgbClr val="000000"/>
           </a:solidFill>
-          <a:latin typeface="Arial"/>
-          <a:ea typeface="Arial"/>
-          <a:cs typeface="Arial"/>
-          <a:sym typeface="Arial"/>
+          <a:latin typeface="Arial" panose="020B0604020202020204"/>
+          <a:ea typeface="Arial" panose="020B0604020202020204"/>
+          <a:cs typeface="Arial" panose="020B0604020202020204"/>
+          <a:sym typeface="Arial" panose="020B0604020202020204"/>
         </a:defRPr>
       </a:lvl7pPr>
       <a:lvl8pPr marR="0" lvl="7" algn="l" rtl="0">
@@ -16352,15 +16184,15 @@
         <a:buClr>
           <a:srgbClr val="000000"/>
         </a:buClr>
-        <a:buFont typeface="Arial"/>
+        <a:buFont typeface="Arial" panose="020B0604020202020204"/>
         <a:defRPr sz="1400" b="0" i="0" u="none" strike="noStrike" cap="none">
           <a:solidFill>
             <a:srgbClr val="000000"/>
           </a:solidFill>
-          <a:latin typeface="Arial"/>
-          <a:ea typeface="Arial"/>
-          <a:cs typeface="Arial"/>
-          <a:sym typeface="Arial"/>
+          <a:latin typeface="Arial" panose="020B0604020202020204"/>
+          <a:ea typeface="Arial" panose="020B0604020202020204"/>
+          <a:cs typeface="Arial" panose="020B0604020202020204"/>
+          <a:sym typeface="Arial" panose="020B0604020202020204"/>
         </a:defRPr>
       </a:lvl8pPr>
       <a:lvl9pPr marR="0" lvl="8" algn="l" rtl="0">
@@ -16376,15 +16208,15 @@
         <a:buClr>
           <a:srgbClr val="000000"/>
         </a:buClr>
-        <a:buFont typeface="Arial"/>
+        <a:buFont typeface="Arial" panose="020B0604020202020204"/>
         <a:defRPr sz="1400" b="0" i="0" u="none" strike="noStrike" cap="none">
           <a:solidFill>
             <a:srgbClr val="000000"/>
           </a:solidFill>
-          <a:latin typeface="Arial"/>
-          <a:ea typeface="Arial"/>
-          <a:cs typeface="Arial"/>
-          <a:sym typeface="Arial"/>
+          <a:latin typeface="Arial" panose="020B0604020202020204"/>
+          <a:ea typeface="Arial" panose="020B0604020202020204"/>
+          <a:cs typeface="Arial" panose="020B0604020202020204"/>
+          <a:sym typeface="Arial" panose="020B0604020202020204"/>
         </a:defRPr>
       </a:lvl9pPr>
     </p:otherStyle>
@@ -16449,7 +16281,7 @@
                 <a:schemeClr val="lt1"/>
               </a:buClr>
               <a:buSzPts val="4800"/>
-              <a:buFont typeface="Century Gothic"/>
+              <a:buFont typeface="Century Gothic" panose="020B0502020202020204"/>
               <a:buNone/>
             </a:pPr>
             <a:r>
@@ -16496,7 +16328,7 @@
               <a:spcAft>
                 <a:spcPts val="0"/>
               </a:spcAft>
-              <a:buSzPct val="79999"/>
+              <a:buSzPct val="80000"/>
               <a:buNone/>
             </a:pPr>
             <a:r>
@@ -16508,29 +16340,29 @@
           <a:p>
             <a:pPr marL="0" lvl="0" indent="0" algn="l" rtl="0">
               <a:spcBef>
-                <a:spcPts val="988"/>
-              </a:spcBef>
-              <a:spcAft>
-                <a:spcPts val="0"/>
-              </a:spcAft>
-              <a:buSzPct val="79999"/>
+                <a:spcPts val="990"/>
+              </a:spcBef>
+              <a:spcAft>
+                <a:spcPts val="0"/>
+              </a:spcAft>
+              <a:buSzPct val="80000"/>
               <a:buNone/>
             </a:pPr>
             <a:r>
               <a:rPr lang="en-US" dirty="0"/>
-              <a:t>Derek Dumouchel - Team Lead	</a:t>
+              <a:t>Derek Dumouchel 	</a:t>
             </a:r>
             <a:endParaRPr dirty="0"/>
           </a:p>
           <a:p>
             <a:pPr marL="0" lvl="0" indent="0" algn="l" rtl="0">
               <a:spcBef>
-                <a:spcPts val="988"/>
-              </a:spcBef>
-              <a:spcAft>
-                <a:spcPts val="0"/>
-              </a:spcAft>
-              <a:buSzPct val="79999"/>
+                <a:spcPts val="990"/>
+              </a:spcBef>
+              <a:spcAft>
+                <a:spcPts val="0"/>
+              </a:spcAft>
+              <a:buSzPct val="80000"/>
               <a:buNone/>
             </a:pPr>
             <a:r>
@@ -16546,12 +16378,12 @@
           <a:p>
             <a:pPr marL="0" lvl="0" indent="0" algn="l" rtl="0">
               <a:spcBef>
-                <a:spcPts val="988"/>
-              </a:spcBef>
-              <a:spcAft>
-                <a:spcPts val="0"/>
-              </a:spcAft>
-              <a:buSzPct val="79999"/>
+                <a:spcPts val="990"/>
+              </a:spcBef>
+              <a:spcAft>
+                <a:spcPts val="0"/>
+              </a:spcAft>
+              <a:buSzPct val="80000"/>
               <a:buNone/>
             </a:pPr>
             <a:r>
@@ -16563,12 +16395,12 @@
           <a:p>
             <a:pPr marL="0" lvl="0" indent="0" algn="l" rtl="0">
               <a:spcBef>
-                <a:spcPts val="988"/>
-              </a:spcBef>
-              <a:spcAft>
-                <a:spcPts val="0"/>
-              </a:spcAft>
-              <a:buSzPct val="79999"/>
+                <a:spcPts val="990"/>
+              </a:spcBef>
+              <a:spcAft>
+                <a:spcPts val="0"/>
+              </a:spcAft>
+              <a:buSzPct val="80000"/>
               <a:buNone/>
             </a:pPr>
             <a:r>
@@ -16643,8 +16475,8 @@
               <a:buClr>
                 <a:schemeClr val="lt1"/>
               </a:buClr>
-              <a:buSzPct val="116129"/>
-              <a:buFont typeface="Century Gothic"/>
+              <a:buSzPct val="116000"/>
+              <a:buFont typeface="Century Gothic" panose="020B0502020202020204"/>
               <a:buNone/>
             </a:pPr>
             <a:r>
@@ -16719,7 +16551,7 @@
               <a:rPr lang="en-US" b="1"/>
               <a:t>Motivation</a:t>
             </a:r>
-            <a:endParaRPr/>
+            <a:endParaRPr lang="en-US" b="1"/>
           </a:p>
           <a:p>
             <a:pPr marL="285750" lvl="0" indent="-285750" algn="l" rtl="0">
@@ -16736,7 +16568,7 @@
               <a:rPr lang="en-US"/>
               <a:t>To ensure that the city of Boston equitably distributed relief funds across demographics (race, ethnicity, income, etc.) during Covid-19 Pandemic</a:t>
             </a:r>
-            <a:endParaRPr/>
+            <a:endParaRPr lang="en-US"/>
           </a:p>
           <a:p>
             <a:pPr marL="0" lvl="0" indent="0" algn="l" rtl="0">
@@ -16753,7 +16585,7 @@
               <a:rPr lang="en-US" b="1"/>
               <a:t>Goal</a:t>
             </a:r>
-            <a:endParaRPr/>
+            <a:endParaRPr lang="en-US" b="1"/>
           </a:p>
           <a:p>
             <a:pPr marL="285750" lvl="0" indent="-285750" algn="l" rtl="0">
@@ -16770,7 +16602,7 @@
               <a:rPr lang="en-US"/>
               <a:t>Analyze business relief datasets along with available census data to determine the outreach and adequacy of the aid.</a:t>
             </a:r>
-            <a:endParaRPr/>
+            <a:endParaRPr lang="en-US"/>
           </a:p>
           <a:p>
             <a:pPr marL="0" lvl="0" indent="0" algn="l" rtl="0">
@@ -16787,7 +16619,7 @@
               <a:rPr lang="en-US" b="1"/>
               <a:t>Background</a:t>
             </a:r>
-            <a:endParaRPr/>
+            <a:endParaRPr lang="en-US" b="1"/>
           </a:p>
           <a:p>
             <a:pPr marL="285750" lvl="0" indent="-285750" algn="l" rtl="0">
@@ -16804,7 +16636,7 @@
               <a:rPr lang="en-US"/>
               <a:t>Covid-19 had devastating effects on the economy, severely hindering business revenue and growth. It is believed that it disproportionately affected lower income residents and businesses.</a:t>
             </a:r>
-            <a:endParaRPr/>
+            <a:endParaRPr lang="en-US"/>
           </a:p>
         </p:txBody>
       </p:sp>
@@ -16847,14 +16679,22 @@
                 <a:solidFill>
                   <a:schemeClr val="lt1"/>
                 </a:solidFill>
-                <a:latin typeface="Century Gothic"/>
-                <a:ea typeface="Century Gothic"/>
-                <a:cs typeface="Century Gothic"/>
-                <a:sym typeface="Century Gothic"/>
+                <a:latin typeface="Century Gothic" panose="020B0502020202020204"/>
+                <a:ea typeface="Century Gothic" panose="020B0502020202020204"/>
+                <a:cs typeface="Century Gothic" panose="020B0502020202020204"/>
+                <a:sym typeface="Century Gothic" panose="020B0502020202020204"/>
               </a:rPr>
               <a:t>Team 3</a:t>
             </a:r>
-            <a:endParaRPr/>
+            <a:endParaRPr lang="en-US" sz="1800" b="1" i="0" u="sng" strike="noStrike" cap="none">
+              <a:solidFill>
+                <a:schemeClr val="lt1"/>
+              </a:solidFill>
+              <a:latin typeface="Century Gothic" panose="020B0502020202020204"/>
+              <a:ea typeface="Century Gothic" panose="020B0502020202020204"/>
+              <a:cs typeface="Century Gothic" panose="020B0502020202020204"/>
+              <a:sym typeface="Century Gothic" panose="020B0502020202020204"/>
+            </a:endParaRPr>
           </a:p>
           <a:p>
             <a:pPr marL="0" marR="0" lvl="0" indent="0" algn="l" rtl="0">
@@ -16871,14 +16711,22 @@
                 <a:solidFill>
                   <a:schemeClr val="lt1"/>
                 </a:solidFill>
-                <a:latin typeface="Century Gothic"/>
-                <a:ea typeface="Century Gothic"/>
-                <a:cs typeface="Century Gothic"/>
-                <a:sym typeface="Century Gothic"/>
+                <a:latin typeface="Century Gothic" panose="020B0502020202020204"/>
+                <a:ea typeface="Century Gothic" panose="020B0502020202020204"/>
+                <a:cs typeface="Century Gothic" panose="020B0502020202020204"/>
+                <a:sym typeface="Century Gothic" panose="020B0502020202020204"/>
               </a:rPr>
               <a:t>Derek Dumouchel </a:t>
             </a:r>
-            <a:endParaRPr/>
+            <a:endParaRPr lang="en-US" sz="1800">
+              <a:solidFill>
+                <a:schemeClr val="lt1"/>
+              </a:solidFill>
+              <a:latin typeface="Century Gothic" panose="020B0502020202020204"/>
+              <a:ea typeface="Century Gothic" panose="020B0502020202020204"/>
+              <a:cs typeface="Century Gothic" panose="020B0502020202020204"/>
+              <a:sym typeface="Century Gothic" panose="020B0502020202020204"/>
+            </a:endParaRPr>
           </a:p>
           <a:p>
             <a:pPr marL="0" marR="0" lvl="0" indent="0" algn="l" rtl="0">
@@ -16895,14 +16743,22 @@
                 <a:solidFill>
                   <a:schemeClr val="lt1"/>
                 </a:solidFill>
-                <a:latin typeface="Century Gothic"/>
-                <a:ea typeface="Century Gothic"/>
-                <a:cs typeface="Century Gothic"/>
-                <a:sym typeface="Century Gothic"/>
+                <a:latin typeface="Century Gothic" panose="020B0502020202020204"/>
+                <a:ea typeface="Century Gothic" panose="020B0502020202020204"/>
+                <a:cs typeface="Century Gothic" panose="020B0502020202020204"/>
+                <a:sym typeface="Century Gothic" panose="020B0502020202020204"/>
               </a:rPr>
               <a:t>Zihao Shen</a:t>
             </a:r>
-            <a:endParaRPr/>
+            <a:endParaRPr lang="en-US" sz="1800">
+              <a:solidFill>
+                <a:schemeClr val="lt1"/>
+              </a:solidFill>
+              <a:latin typeface="Century Gothic" panose="020B0502020202020204"/>
+              <a:ea typeface="Century Gothic" panose="020B0502020202020204"/>
+              <a:cs typeface="Century Gothic" panose="020B0502020202020204"/>
+              <a:sym typeface="Century Gothic" panose="020B0502020202020204"/>
+            </a:endParaRPr>
           </a:p>
           <a:p>
             <a:pPr marL="0" marR="0" lvl="0" indent="0" algn="l" rtl="0">
@@ -16919,14 +16775,22 @@
                 <a:solidFill>
                   <a:schemeClr val="lt1"/>
                 </a:solidFill>
-                <a:latin typeface="Century Gothic"/>
-                <a:ea typeface="Century Gothic"/>
-                <a:cs typeface="Century Gothic"/>
-                <a:sym typeface="Century Gothic"/>
+                <a:latin typeface="Century Gothic" panose="020B0502020202020204"/>
+                <a:ea typeface="Century Gothic" panose="020B0502020202020204"/>
+                <a:cs typeface="Century Gothic" panose="020B0502020202020204"/>
+                <a:sym typeface="Century Gothic" panose="020B0502020202020204"/>
               </a:rPr>
               <a:t>Tian Tan</a:t>
             </a:r>
-            <a:endParaRPr/>
+            <a:endParaRPr lang="en-US" sz="1800">
+              <a:solidFill>
+                <a:schemeClr val="lt1"/>
+              </a:solidFill>
+              <a:latin typeface="Century Gothic" panose="020B0502020202020204"/>
+              <a:ea typeface="Century Gothic" panose="020B0502020202020204"/>
+              <a:cs typeface="Century Gothic" panose="020B0502020202020204"/>
+              <a:sym typeface="Century Gothic" panose="020B0502020202020204"/>
+            </a:endParaRPr>
           </a:p>
           <a:p>
             <a:pPr marL="0" marR="0" lvl="0" indent="0" algn="l" rtl="0">
@@ -16943,14 +16807,22 @@
                 <a:solidFill>
                   <a:schemeClr val="lt1"/>
                 </a:solidFill>
-                <a:latin typeface="Century Gothic"/>
-                <a:ea typeface="Century Gothic"/>
-                <a:cs typeface="Century Gothic"/>
-                <a:sym typeface="Century Gothic"/>
+                <a:latin typeface="Century Gothic" panose="020B0502020202020204"/>
+                <a:ea typeface="Century Gothic" panose="020B0502020202020204"/>
+                <a:cs typeface="Century Gothic" panose="020B0502020202020204"/>
+                <a:sym typeface="Century Gothic" panose="020B0502020202020204"/>
               </a:rPr>
               <a:t>Lu Yao</a:t>
             </a:r>
-            <a:endParaRPr/>
+            <a:endParaRPr lang="en-US" sz="1800">
+              <a:solidFill>
+                <a:schemeClr val="lt1"/>
+              </a:solidFill>
+              <a:latin typeface="Century Gothic" panose="020B0502020202020204"/>
+              <a:ea typeface="Century Gothic" panose="020B0502020202020204"/>
+              <a:cs typeface="Century Gothic" panose="020B0502020202020204"/>
+              <a:sym typeface="Century Gothic" panose="020B0502020202020204"/>
+            </a:endParaRPr>
           </a:p>
         </p:txBody>
       </p:sp>
@@ -17129,12 +17001,12 @@
           <a:p>
             <a:pPr marL="742950" lvl="1" indent="-285750" algn="l" rtl="0">
               <a:spcBef>
-                <a:spcPts val="852"/>
-              </a:spcBef>
-              <a:spcAft>
-                <a:spcPts val="0"/>
-              </a:spcAft>
-              <a:buSzPct val="79999"/>
+                <a:spcPts val="850"/>
+              </a:spcBef>
+              <a:spcAft>
+                <a:spcPts val="0"/>
+              </a:spcAft>
+              <a:buSzPct val="80000"/>
               <a:buChar char="▶"/>
             </a:pPr>
             <a:r>
@@ -17246,7 +17118,7 @@
             <a:endParaRPr dirty="0"/>
           </a:p>
           <a:p>
-            <a:pPr marL="285750" lvl="0" indent="-278638" algn="l" rtl="0">
+            <a:pPr marL="285750" lvl="0" indent="-278765" algn="l" rtl="0">
               <a:spcBef>
                 <a:spcPts val="880"/>
               </a:spcBef>
@@ -17263,7 +17135,7 @@
             <a:endParaRPr dirty="0"/>
           </a:p>
           <a:p>
-            <a:pPr marL="285750" lvl="0" indent="-278638" algn="l" rtl="0">
+            <a:pPr marL="285750" lvl="0" indent="-278765" algn="l" rtl="0">
               <a:spcBef>
                 <a:spcPts val="880"/>
               </a:spcBef>
@@ -17321,14 +17193,14 @@
                 <a:schemeClr val="lt1"/>
               </a:buClr>
               <a:buSzPts val="3600"/>
-              <a:buFont typeface="Century Gothic"/>
+              <a:buFont typeface="Century Gothic" panose="020B0502020202020204"/>
               <a:buNone/>
             </a:pPr>
             <a:r>
               <a:rPr lang="en-US"/>
               <a:t>MID-SEMESTER STATUS</a:t>
             </a:r>
-            <a:endParaRPr/>
+            <a:endParaRPr lang="en-US"/>
           </a:p>
         </p:txBody>
       </p:sp>
@@ -17559,14 +17431,14 @@
                 <a:schemeClr val="lt1"/>
               </a:buClr>
               <a:buSzPts val="3600"/>
-              <a:buFont typeface="Century Gothic"/>
+              <a:buFont typeface="Century Gothic" panose="020B0502020202020204"/>
               <a:buNone/>
             </a:pPr>
             <a:r>
               <a:rPr lang="en-US"/>
               <a:t>EARLY OBSERVATIONS</a:t>
             </a:r>
-            <a:endParaRPr/>
+            <a:endParaRPr lang="en-US"/>
           </a:p>
         </p:txBody>
       </p:sp>
@@ -17907,7 +17779,7 @@
               <a:rPr lang="en-US"/>
               <a:t>Census Analysis</a:t>
             </a:r>
-            <a:endParaRPr/>
+            <a:endParaRPr lang="en-US"/>
           </a:p>
         </p:txBody>
       </p:sp>
@@ -17918,9 +17790,7 @@
           <p:nvPr/>
         </p:nvPicPr>
         <p:blipFill>
-          <a:blip r:embed="rId3">
-            <a:alphaModFix/>
-          </a:blip>
+          <a:blip r:embed="rId1"/>
           <a:stretch>
             <a:fillRect/>
           </a:stretch>
@@ -18002,7 +17872,7 @@
               <a:rPr lang="en-US"/>
               <a:t>Alcohol Analysis</a:t>
             </a:r>
-            <a:endParaRPr/>
+            <a:endParaRPr lang="en-US"/>
           </a:p>
         </p:txBody>
       </p:sp>
@@ -18045,7 +17915,7 @@
                 <a:schemeClr val="lt1"/>
               </a:buClr>
               <a:buSzPts val="1900"/>
-              <a:buFont typeface="Century Gothic"/>
+              <a:buFont typeface="Century Gothic" panose="020B0502020202020204"/>
               <a:buChar char="●"/>
             </a:pPr>
             <a:r>
@@ -18053,10 +17923,10 @@
                 <a:solidFill>
                   <a:schemeClr val="lt1"/>
                 </a:solidFill>
-                <a:latin typeface="Century Gothic"/>
-                <a:ea typeface="Century Gothic"/>
-                <a:cs typeface="Century Gothic"/>
-                <a:sym typeface="Century Gothic"/>
+                <a:latin typeface="Century Gothic" panose="020B0502020202020204"/>
+                <a:ea typeface="Century Gothic" panose="020B0502020202020204"/>
+                <a:cs typeface="Century Gothic" panose="020B0502020202020204"/>
+                <a:sym typeface="Century Gothic" panose="020B0502020202020204"/>
               </a:rPr>
               <a:t>33 license types among 31 regions</a:t>
             </a:r>
@@ -18064,10 +17934,10 @@
               <a:solidFill>
                 <a:schemeClr val="lt1"/>
               </a:solidFill>
-              <a:latin typeface="Century Gothic"/>
-              <a:ea typeface="Century Gothic"/>
-              <a:cs typeface="Century Gothic"/>
-              <a:sym typeface="Century Gothic"/>
+              <a:latin typeface="Century Gothic" panose="020B0502020202020204"/>
+              <a:ea typeface="Century Gothic" panose="020B0502020202020204"/>
+              <a:cs typeface="Century Gothic" panose="020B0502020202020204"/>
+              <a:sym typeface="Century Gothic" panose="020B0502020202020204"/>
             </a:endParaRPr>
           </a:p>
           <a:p>
@@ -18085,7 +17955,7 @@
                 <a:schemeClr val="lt1"/>
               </a:buClr>
               <a:buSzPts val="1900"/>
-              <a:buFont typeface="Century Gothic"/>
+              <a:buFont typeface="Century Gothic" panose="020B0502020202020204"/>
               <a:buChar char="●"/>
             </a:pPr>
             <a:r>
@@ -18093,10 +17963,10 @@
                 <a:solidFill>
                   <a:schemeClr val="lt1"/>
                 </a:solidFill>
-                <a:latin typeface="Century Gothic"/>
-                <a:ea typeface="Century Gothic"/>
-                <a:cs typeface="Century Gothic"/>
-                <a:sym typeface="Century Gothic"/>
+                <a:latin typeface="Century Gothic" panose="020B0502020202020204"/>
+                <a:ea typeface="Century Gothic" panose="020B0502020202020204"/>
+                <a:cs typeface="Century Gothic" panose="020B0502020202020204"/>
+                <a:sym typeface="Century Gothic" panose="020B0502020202020204"/>
               </a:rPr>
               <a:t>If analyze together, generated the plot left</a:t>
             </a:r>
@@ -18104,10 +17974,10 @@
               <a:solidFill>
                 <a:schemeClr val="lt1"/>
               </a:solidFill>
-              <a:latin typeface="Century Gothic"/>
-              <a:ea typeface="Century Gothic"/>
-              <a:cs typeface="Century Gothic"/>
-              <a:sym typeface="Century Gothic"/>
+              <a:latin typeface="Century Gothic" panose="020B0502020202020204"/>
+              <a:ea typeface="Century Gothic" panose="020B0502020202020204"/>
+              <a:cs typeface="Century Gothic" panose="020B0502020202020204"/>
+              <a:sym typeface="Century Gothic" panose="020B0502020202020204"/>
             </a:endParaRPr>
           </a:p>
           <a:p>
@@ -18125,7 +17995,7 @@
                 <a:schemeClr val="lt1"/>
               </a:buClr>
               <a:buSzPts val="1900"/>
-              <a:buFont typeface="Century Gothic"/>
+              <a:buFont typeface="Century Gothic" panose="020B0502020202020204"/>
               <a:buChar char="○"/>
             </a:pPr>
             <a:r>
@@ -18133,10 +18003,10 @@
                 <a:solidFill>
                   <a:schemeClr val="lt1"/>
                 </a:solidFill>
-                <a:latin typeface="Century Gothic"/>
-                <a:ea typeface="Century Gothic"/>
-                <a:cs typeface="Century Gothic"/>
-                <a:sym typeface="Century Gothic"/>
+                <a:latin typeface="Century Gothic" panose="020B0502020202020204"/>
+                <a:ea typeface="Century Gothic" panose="020B0502020202020204"/>
+                <a:cs typeface="Century Gothic" panose="020B0502020202020204"/>
+                <a:sym typeface="Century Gothic" panose="020B0502020202020204"/>
               </a:rPr>
               <a:t>The license ‘CV7 All Alc.’ is usually used.</a:t>
             </a:r>
@@ -18144,10 +18014,10 @@
               <a:solidFill>
                 <a:schemeClr val="lt1"/>
               </a:solidFill>
-              <a:latin typeface="Century Gothic"/>
-              <a:ea typeface="Century Gothic"/>
-              <a:cs typeface="Century Gothic"/>
-              <a:sym typeface="Century Gothic"/>
+              <a:latin typeface="Century Gothic" panose="020B0502020202020204"/>
+              <a:ea typeface="Century Gothic" panose="020B0502020202020204"/>
+              <a:cs typeface="Century Gothic" panose="020B0502020202020204"/>
+              <a:sym typeface="Century Gothic" panose="020B0502020202020204"/>
             </a:endParaRPr>
           </a:p>
           <a:p>
@@ -18165,7 +18035,7 @@
                 <a:schemeClr val="lt1"/>
               </a:buClr>
               <a:buSzPts val="1900"/>
-              <a:buFont typeface="Century Gothic"/>
+              <a:buFont typeface="Century Gothic" panose="020B0502020202020204"/>
               <a:buChar char="●"/>
             </a:pPr>
             <a:r>
@@ -18173,10 +18043,10 @@
                 <a:solidFill>
                   <a:schemeClr val="lt1"/>
                 </a:solidFill>
-                <a:latin typeface="Century Gothic"/>
-                <a:ea typeface="Century Gothic"/>
-                <a:cs typeface="Century Gothic"/>
-                <a:sym typeface="Century Gothic"/>
+                <a:latin typeface="Century Gothic" panose="020B0502020202020204"/>
+                <a:ea typeface="Century Gothic" panose="020B0502020202020204"/>
+                <a:cs typeface="Century Gothic" panose="020B0502020202020204"/>
+                <a:sym typeface="Century Gothic" panose="020B0502020202020204"/>
               </a:rPr>
               <a:t>If analyze separately, generated the plot below</a:t>
             </a:r>
@@ -18184,10 +18054,10 @@
               <a:solidFill>
                 <a:schemeClr val="lt1"/>
               </a:solidFill>
-              <a:latin typeface="Century Gothic"/>
-              <a:ea typeface="Century Gothic"/>
-              <a:cs typeface="Century Gothic"/>
-              <a:sym typeface="Century Gothic"/>
+              <a:latin typeface="Century Gothic" panose="020B0502020202020204"/>
+              <a:ea typeface="Century Gothic" panose="020B0502020202020204"/>
+              <a:cs typeface="Century Gothic" panose="020B0502020202020204"/>
+              <a:sym typeface="Century Gothic" panose="020B0502020202020204"/>
             </a:endParaRPr>
           </a:p>
           <a:p>
@@ -18205,7 +18075,7 @@
                 <a:schemeClr val="lt1"/>
               </a:buClr>
               <a:buSzPts val="1900"/>
-              <a:buFont typeface="Century Gothic"/>
+              <a:buFont typeface="Century Gothic" panose="020B0502020202020204"/>
               <a:buChar char="○"/>
             </a:pPr>
             <a:r>
@@ -18213,10 +18083,10 @@
                 <a:solidFill>
                   <a:schemeClr val="lt1"/>
                 </a:solidFill>
-                <a:latin typeface="Century Gothic"/>
-                <a:ea typeface="Century Gothic"/>
-                <a:cs typeface="Century Gothic"/>
-                <a:sym typeface="Century Gothic"/>
+                <a:latin typeface="Century Gothic" panose="020B0502020202020204"/>
+                <a:ea typeface="Century Gothic" panose="020B0502020202020204"/>
+                <a:cs typeface="Century Gothic" panose="020B0502020202020204"/>
+                <a:sym typeface="Century Gothic" panose="020B0502020202020204"/>
               </a:rPr>
               <a:t>The zip code 02116 (Back Bay) has most licenses.</a:t>
             </a:r>
@@ -18224,10 +18094,10 @@
               <a:solidFill>
                 <a:schemeClr val="lt1"/>
               </a:solidFill>
-              <a:latin typeface="Century Gothic"/>
-              <a:ea typeface="Century Gothic"/>
-              <a:cs typeface="Century Gothic"/>
-              <a:sym typeface="Century Gothic"/>
+              <a:latin typeface="Century Gothic" panose="020B0502020202020204"/>
+              <a:ea typeface="Century Gothic" panose="020B0502020202020204"/>
+              <a:cs typeface="Century Gothic" panose="020B0502020202020204"/>
+              <a:sym typeface="Century Gothic" panose="020B0502020202020204"/>
             </a:endParaRPr>
           </a:p>
         </p:txBody>
@@ -18239,9 +18109,7 @@
           <p:nvPr/>
         </p:nvPicPr>
         <p:blipFill>
-          <a:blip r:embed="rId3">
-            <a:alphaModFix/>
-          </a:blip>
+          <a:blip r:embed="rId1"/>
           <a:stretch>
             <a:fillRect/>
           </a:stretch>
@@ -18267,9 +18135,7 @@
           <p:nvPr/>
         </p:nvPicPr>
         <p:blipFill>
-          <a:blip r:embed="rId4">
-            <a:alphaModFix/>
-          </a:blip>
+          <a:blip r:embed="rId2"/>
           <a:stretch>
             <a:fillRect/>
           </a:stretch>
@@ -18351,7 +18217,7 @@
               <a:rPr lang="en-US"/>
               <a:t>Distribution of small businesses</a:t>
             </a:r>
-            <a:endParaRPr/>
+            <a:endParaRPr lang="en-US"/>
           </a:p>
         </p:txBody>
       </p:sp>
@@ -18397,10 +18263,10 @@
                 <a:solidFill>
                   <a:schemeClr val="lt1"/>
                 </a:solidFill>
-                <a:latin typeface="Century Gothic"/>
-                <a:ea typeface="Century Gothic"/>
-                <a:cs typeface="Century Gothic"/>
-                <a:sym typeface="Century Gothic"/>
+                <a:latin typeface="Century Gothic" panose="020B0502020202020204"/>
+                <a:ea typeface="Century Gothic" panose="020B0502020202020204"/>
+                <a:cs typeface="Century Gothic" panose="020B0502020202020204"/>
+                <a:sym typeface="Century Gothic" panose="020B0502020202020204"/>
               </a:rPr>
               <a:t>By combining the amount of small business and the area of each neighborhood, we can find that Back Bay and Chinatown/Financial District area have higher density of small businesses, with over 350 per mi</a:t>
             </a:r>
@@ -18409,10 +18275,10 @@
                 <a:solidFill>
                   <a:schemeClr val="lt1"/>
                 </a:solidFill>
-                <a:latin typeface="Century Gothic"/>
-                <a:ea typeface="Century Gothic"/>
-                <a:cs typeface="Century Gothic"/>
-                <a:sym typeface="Century Gothic"/>
+                <a:latin typeface="Century Gothic" panose="020B0502020202020204"/>
+                <a:ea typeface="Century Gothic" panose="020B0502020202020204"/>
+                <a:cs typeface="Century Gothic" panose="020B0502020202020204"/>
+                <a:sym typeface="Century Gothic" panose="020B0502020202020204"/>
               </a:rPr>
               <a:t>^2</a:t>
             </a:r>
@@ -18420,10 +18286,10 @@
               <a:solidFill>
                 <a:schemeClr val="lt1"/>
               </a:solidFill>
-              <a:latin typeface="Century Gothic"/>
-              <a:ea typeface="Century Gothic"/>
-              <a:cs typeface="Century Gothic"/>
-              <a:sym typeface="Century Gothic"/>
+              <a:latin typeface="Century Gothic" panose="020B0502020202020204"/>
+              <a:ea typeface="Century Gothic" panose="020B0502020202020204"/>
+              <a:cs typeface="Century Gothic" panose="020B0502020202020204"/>
+              <a:sym typeface="Century Gothic" panose="020B0502020202020204"/>
             </a:endParaRPr>
           </a:p>
         </p:txBody>
@@ -18435,9 +18301,7 @@
           <p:nvPr/>
         </p:nvPicPr>
         <p:blipFill>
-          <a:blip r:embed="rId3">
-            <a:alphaModFix/>
-          </a:blip>
+          <a:blip r:embed="rId1"/>
           <a:stretch>
             <a:fillRect/>
           </a:stretch>
@@ -18463,9 +18327,7 @@
           <p:nvPr/>
         </p:nvPicPr>
         <p:blipFill>
-          <a:blip r:embed="rId4">
-            <a:alphaModFix/>
-          </a:blip>
+          <a:blip r:embed="rId2"/>
           <a:stretch>
             <a:fillRect/>
           </a:stretch>
@@ -18648,7 +18510,7 @@
               <a:rPr lang="en-US"/>
               <a:t>Food Analysis</a:t>
             </a:r>
-            <a:endParaRPr/>
+            <a:endParaRPr lang="en-US"/>
           </a:p>
         </p:txBody>
       </p:sp>
@@ -18659,9 +18521,7 @@
           <p:nvPr/>
         </p:nvPicPr>
         <p:blipFill>
-          <a:blip r:embed="rId3">
-            <a:alphaModFix/>
-          </a:blip>
+          <a:blip r:embed="rId1"/>
           <a:stretch>
             <a:fillRect/>
           </a:stretch>
@@ -18687,9 +18547,7 @@
           <p:nvPr/>
         </p:nvPicPr>
         <p:blipFill>
-          <a:blip r:embed="rId4">
-            <a:alphaModFix/>
-          </a:blip>
+          <a:blip r:embed="rId2"/>
           <a:stretch>
             <a:fillRect/>
           </a:stretch>
@@ -18715,9 +18573,7 @@
           <p:nvPr/>
         </p:nvPicPr>
         <p:blipFill>
-          <a:blip r:embed="rId5">
-            <a:alphaModFix/>
-          </a:blip>
+          <a:blip r:embed="rId3"/>
           <a:stretch>
             <a:fillRect/>
           </a:stretch>
@@ -18945,6 +18801,7 @@
               <a:rPr lang="en-US" dirty="0"/>
               <a:t>Assessment of housing assistance funds has begun.</a:t>
             </a:r>
+            <a:endParaRPr lang="en-US" dirty="0"/>
           </a:p>
         </p:txBody>
       </p:sp>
@@ -18988,14 +18845,14 @@
                 <a:schemeClr val="lt1"/>
               </a:buClr>
               <a:buSzPts val="3600"/>
-              <a:buFont typeface="Century Gothic"/>
+              <a:buFont typeface="Century Gothic" panose="020B0502020202020204"/>
               <a:buNone/>
             </a:pPr>
             <a:r>
               <a:rPr lang="en-US"/>
               <a:t>CHALLENGES AND LIMITATIONS</a:t>
             </a:r>
-            <a:endParaRPr/>
+            <a:endParaRPr lang="en-US"/>
           </a:p>
         </p:txBody>
       </p:sp>
@@ -19005,6 +18862,13 @@
     <a:masterClrMapping/>
   </p:clrMapOvr>
 </p:sld>
+</file>
+
+<file path=ppt/tags/tag1.xml><?xml version="1.0" encoding="utf-8"?>
+<p:tagLst xmlns:p="http://schemas.openxmlformats.org/presentationml/2006/main">
+  <p:tag name="KSO_WPP_MARK_KEY" val="515d81ca-2a45-48e6-96c1-1236498b50c7"/>
+  <p:tag name="COMMONDATA" val="eyJoZGlkIjoiZDMwYWUwMjdkY2M1ZTNhZmY1NmE4NGY3N2Q5ZDhlNmUifQ=="/>
+</p:tagLst>
 </file>
 
 <file path=ppt/theme/theme1.xml><?xml version="1.0" encoding="utf-8"?>
@@ -19283,8 +19147,11 @@
       </a:bgFillStyleLst>
     </a:fmtScheme>
   </a:themeElements>
-  <a:objectDefaults/>
-  <a:extraClrSchemeLst/>
+  <a:extLst>
+    <a:ext uri="{05A4C25C-085E-4340-85A3-A5531E510DB2}">
+      <thm15:themeFamily xmlns:thm15="http://schemas.microsoft.com/office/thememl/2012/main" name="Office Theme" id="{62F939B6-93AF-4DB8-9C6B-D6C7DFDC589F}" vid="{4A3C46E8-61CC-4603-A589-7422A47A8E4A}"/>
+    </a:ext>
+  </a:extLst>
 </a:theme>
 </file>
 
@@ -19564,7 +19431,10 @@
       </a:bgFillStyleLst>
     </a:fmtScheme>
   </a:themeElements>
-  <a:objectDefaults/>
-  <a:extraClrSchemeLst/>
+  <a:extLst>
+    <a:ext uri="{05A4C25C-085E-4340-85A3-A5531E510DB2}">
+      <thm15:themeFamily xmlns:thm15="http://schemas.microsoft.com/office/thememl/2012/main" name="Office Theme" id="{62F939B6-93AF-4DB8-9C6B-D6C7DFDC589F}" vid="{4A3C46E8-61CC-4603-A589-7422A47A8E4A}"/>
+    </a:ext>
+  </a:extLst>
 </a:theme>
 </file>